--- a/Course-Project/shame/Car Crash Today End.pptx
+++ b/Course-Project/shame/Car Crash Today End.pptx
@@ -19,10 +19,11 @@
     <p:sldId id="266" r:id="rId13"/>
     <p:sldId id="267" r:id="rId14"/>
     <p:sldId id="268" r:id="rId15"/>
-    <p:sldId id="269" r:id="rId16"/>
-    <p:sldId id="273" r:id="rId17"/>
-    <p:sldId id="270" r:id="rId18"/>
-    <p:sldId id="271" r:id="rId19"/>
+    <p:sldId id="275" r:id="rId16"/>
+    <p:sldId id="269" r:id="rId17"/>
+    <p:sldId id="273" r:id="rId18"/>
+    <p:sldId id="270" r:id="rId19"/>
+    <p:sldId id="271" r:id="rId20"/>
   </p:sldIdLst>
   <p:sldSz cx="12192000" cy="6858000"/>
   <p:notesSz cx="6858000" cy="9144000"/>
@@ -186,7 +187,7 @@
           <a:noFill/>
           <a:extLst>
             <a:ext uri="{909E8E84-426E-40dd-AFC4-6F175D3DCCD1}">
-              <a14:hiddenFill xmlns="" xmlns:a14="http://schemas.microsoft.com/office/drawing/2010/main">
+              <a14:hiddenFill xmlns:a14="http://schemas.microsoft.com/office/drawing/2010/main" xmlns="">
                 <a:solidFill>
                   <a:srgbClr val="FFFFFF"/>
                 </a:solidFill>
@@ -245,7 +246,7 @@
             </a:ln>
             <a:extLst>
               <a:ext uri="{91240B29-F687-4f45-9708-019B960494DF}">
-                <a14:hiddenLine xmlns="" xmlns:a14="http://schemas.microsoft.com/office/drawing/2010/main" w="9525">
+                <a14:hiddenLine xmlns:a14="http://schemas.microsoft.com/office/drawing/2010/main" xmlns="" w="9525">
                   <a:solidFill>
                     <a:srgbClr val="000000"/>
                   </a:solidFill>
@@ -335,7 +336,7 @@
             </a:ln>
             <a:extLst>
               <a:ext uri="{91240B29-F687-4f45-9708-019B960494DF}">
-                <a14:hiddenLine xmlns="" xmlns:a14="http://schemas.microsoft.com/office/drawing/2010/main" w="9525">
+                <a14:hiddenLine xmlns:a14="http://schemas.microsoft.com/office/drawing/2010/main" xmlns="" w="9525">
                   <a:solidFill>
                     <a:srgbClr val="000000"/>
                   </a:solidFill>
@@ -425,7 +426,7 @@
             </a:ln>
             <a:extLst>
               <a:ext uri="{91240B29-F687-4f45-9708-019B960494DF}">
-                <a14:hiddenLine xmlns="" xmlns:a14="http://schemas.microsoft.com/office/drawing/2010/main" w="9525">
+                <a14:hiddenLine xmlns:a14="http://schemas.microsoft.com/office/drawing/2010/main" xmlns="" w="9525">
                   <a:solidFill>
                     <a:srgbClr val="000000"/>
                   </a:solidFill>
@@ -459,7 +460,7 @@
             </a:ln>
             <a:extLst>
               <a:ext uri="{91240B29-F687-4f45-9708-019B960494DF}">
-                <a14:hiddenLine xmlns="" xmlns:a14="http://schemas.microsoft.com/office/drawing/2010/main" w="9525">
+                <a14:hiddenLine xmlns:a14="http://schemas.microsoft.com/office/drawing/2010/main" xmlns="" w="9525">
                   <a:solidFill>
                     <a:srgbClr val="000000"/>
                   </a:solidFill>
@@ -549,7 +550,7 @@
             </a:ln>
             <a:extLst>
               <a:ext uri="{91240B29-F687-4f45-9708-019B960494DF}">
-                <a14:hiddenLine xmlns="" xmlns:a14="http://schemas.microsoft.com/office/drawing/2010/main" w="9525">
+                <a14:hiddenLine xmlns:a14="http://schemas.microsoft.com/office/drawing/2010/main" xmlns="" w="9525">
                   <a:solidFill>
                     <a:srgbClr val="000000"/>
                   </a:solidFill>
@@ -611,7 +612,7 @@
             </a:ln>
             <a:extLst>
               <a:ext uri="{91240B29-F687-4f45-9708-019B960494DF}">
-                <a14:hiddenLine xmlns="" xmlns:a14="http://schemas.microsoft.com/office/drawing/2010/main" w="9525">
+                <a14:hiddenLine xmlns:a14="http://schemas.microsoft.com/office/drawing/2010/main" xmlns="" w="9525">
                   <a:solidFill>
                     <a:srgbClr val="000000"/>
                   </a:solidFill>
@@ -673,7 +674,7 @@
             </a:ln>
             <a:extLst>
               <a:ext uri="{91240B29-F687-4f45-9708-019B960494DF}">
-                <a14:hiddenLine xmlns="" xmlns:a14="http://schemas.microsoft.com/office/drawing/2010/main" w="9525">
+                <a14:hiddenLine xmlns:a14="http://schemas.microsoft.com/office/drawing/2010/main" xmlns="" w="9525">
                   <a:solidFill>
                     <a:srgbClr val="000000"/>
                   </a:solidFill>
@@ -763,7 +764,7 @@
             </a:ln>
             <a:extLst>
               <a:ext uri="{91240B29-F687-4f45-9708-019B960494DF}">
-                <a14:hiddenLine xmlns="" xmlns:a14="http://schemas.microsoft.com/office/drawing/2010/main" w="9525">
+                <a14:hiddenLine xmlns:a14="http://schemas.microsoft.com/office/drawing/2010/main" xmlns="" w="9525">
                   <a:solidFill>
                     <a:srgbClr val="000000"/>
                   </a:solidFill>
@@ -825,7 +826,7 @@
             </a:ln>
             <a:extLst>
               <a:ext uri="{91240B29-F687-4f45-9708-019B960494DF}">
-                <a14:hiddenLine xmlns="" xmlns:a14="http://schemas.microsoft.com/office/drawing/2010/main" w="9525">
+                <a14:hiddenLine xmlns:a14="http://schemas.microsoft.com/office/drawing/2010/main" xmlns="" w="9525">
                   <a:solidFill>
                     <a:srgbClr val="000000"/>
                   </a:solidFill>
@@ -887,7 +888,7 @@
             </a:ln>
             <a:extLst>
               <a:ext uri="{91240B29-F687-4f45-9708-019B960494DF}">
-                <a14:hiddenLine xmlns="" xmlns:a14="http://schemas.microsoft.com/office/drawing/2010/main" w="9525">
+                <a14:hiddenLine xmlns:a14="http://schemas.microsoft.com/office/drawing/2010/main" xmlns="" w="9525">
                   <a:solidFill>
                     <a:srgbClr val="000000"/>
                   </a:solidFill>
@@ -977,7 +978,7 @@
             </a:ln>
             <a:extLst>
               <a:ext uri="{91240B29-F687-4f45-9708-019B960494DF}">
-                <a14:hiddenLine xmlns="" xmlns:a14="http://schemas.microsoft.com/office/drawing/2010/main" w="9525">
+                <a14:hiddenLine xmlns:a14="http://schemas.microsoft.com/office/drawing/2010/main" xmlns="" w="9525">
                   <a:solidFill>
                     <a:srgbClr val="000000"/>
                   </a:solidFill>
@@ -1067,7 +1068,7 @@
             </a:ln>
             <a:extLst>
               <a:ext uri="{91240B29-F687-4f45-9708-019B960494DF}">
-                <a14:hiddenLine xmlns="" xmlns:a14="http://schemas.microsoft.com/office/drawing/2010/main" w="9525">
+                <a14:hiddenLine xmlns:a14="http://schemas.microsoft.com/office/drawing/2010/main" xmlns="" w="9525">
                   <a:solidFill>
                     <a:srgbClr val="000000"/>
                   </a:solidFill>
@@ -1129,7 +1130,7 @@
             </a:ln>
             <a:extLst>
               <a:ext uri="{91240B29-F687-4f45-9708-019B960494DF}">
-                <a14:hiddenLine xmlns="" xmlns:a14="http://schemas.microsoft.com/office/drawing/2010/main" w="9525">
+                <a14:hiddenLine xmlns:a14="http://schemas.microsoft.com/office/drawing/2010/main" xmlns="" w="9525">
                   <a:solidFill>
                     <a:srgbClr val="000000"/>
                   </a:solidFill>
@@ -1239,7 +1240,7 @@
             </a:ln>
             <a:extLst>
               <a:ext uri="{91240B29-F687-4f45-9708-019B960494DF}">
-                <a14:hiddenLine xmlns="" xmlns:a14="http://schemas.microsoft.com/office/drawing/2010/main" w="9525">
+                <a14:hiddenLine xmlns:a14="http://schemas.microsoft.com/office/drawing/2010/main" xmlns="" w="9525">
                   <a:solidFill>
                     <a:srgbClr val="000000"/>
                   </a:solidFill>
@@ -1301,7 +1302,7 @@
             </a:ln>
             <a:extLst>
               <a:ext uri="{91240B29-F687-4f45-9708-019B960494DF}">
-                <a14:hiddenLine xmlns="" xmlns:a14="http://schemas.microsoft.com/office/drawing/2010/main" w="9525">
+                <a14:hiddenLine xmlns:a14="http://schemas.microsoft.com/office/drawing/2010/main" xmlns="" w="9525">
                   <a:solidFill>
                     <a:srgbClr val="000000"/>
                   </a:solidFill>
@@ -1391,7 +1392,7 @@
             </a:ln>
             <a:extLst>
               <a:ext uri="{91240B29-F687-4f45-9708-019B960494DF}">
-                <a14:hiddenLine xmlns="" xmlns:a14="http://schemas.microsoft.com/office/drawing/2010/main" w="9525">
+                <a14:hiddenLine xmlns:a14="http://schemas.microsoft.com/office/drawing/2010/main" xmlns="" w="9525">
                   <a:solidFill>
                     <a:srgbClr val="000000"/>
                   </a:solidFill>
@@ -1481,7 +1482,7 @@
             </a:ln>
             <a:extLst>
               <a:ext uri="{91240B29-F687-4f45-9708-019B960494DF}">
-                <a14:hiddenLine xmlns="" xmlns:a14="http://schemas.microsoft.com/office/drawing/2010/main" w="9525">
+                <a14:hiddenLine xmlns:a14="http://schemas.microsoft.com/office/drawing/2010/main" xmlns="" w="9525">
                   <a:solidFill>
                     <a:srgbClr val="000000"/>
                   </a:solidFill>
@@ -1543,7 +1544,7 @@
             </a:ln>
             <a:extLst>
               <a:ext uri="{91240B29-F687-4f45-9708-019B960494DF}">
-                <a14:hiddenLine xmlns="" xmlns:a14="http://schemas.microsoft.com/office/drawing/2010/main" w="9525">
+                <a14:hiddenLine xmlns:a14="http://schemas.microsoft.com/office/drawing/2010/main" xmlns="" w="9525">
                   <a:solidFill>
                     <a:srgbClr val="000000"/>
                   </a:solidFill>
@@ -1633,7 +1634,7 @@
             </a:ln>
             <a:extLst>
               <a:ext uri="{91240B29-F687-4f45-9708-019B960494DF}">
-                <a14:hiddenLine xmlns="" xmlns:a14="http://schemas.microsoft.com/office/drawing/2010/main" w="9525">
+                <a14:hiddenLine xmlns:a14="http://schemas.microsoft.com/office/drawing/2010/main" xmlns="" w="9525">
                   <a:solidFill>
                     <a:srgbClr val="000000"/>
                   </a:solidFill>
@@ -1723,7 +1724,7 @@
             </a:ln>
             <a:extLst>
               <a:ext uri="{91240B29-F687-4f45-9708-019B960494DF}">
-                <a14:hiddenLine xmlns="" xmlns:a14="http://schemas.microsoft.com/office/drawing/2010/main" w="9525">
+                <a14:hiddenLine xmlns:a14="http://schemas.microsoft.com/office/drawing/2010/main" xmlns="" w="9525">
                   <a:solidFill>
                     <a:srgbClr val="000000"/>
                   </a:solidFill>
@@ -1779,7 +1780,7 @@
             </a:ln>
             <a:extLst>
               <a:ext uri="{91240B29-F687-4f45-9708-019B960494DF}">
-                <a14:hiddenLine xmlns="" xmlns:a14="http://schemas.microsoft.com/office/drawing/2010/main" w="9525">
+                <a14:hiddenLine xmlns:a14="http://schemas.microsoft.com/office/drawing/2010/main" xmlns="" w="9525">
                   <a:solidFill>
                     <a:srgbClr val="000000"/>
                   </a:solidFill>
@@ -1869,7 +1870,7 @@
             </a:ln>
             <a:extLst>
               <a:ext uri="{91240B29-F687-4f45-9708-019B960494DF}">
-                <a14:hiddenLine xmlns="" xmlns:a14="http://schemas.microsoft.com/office/drawing/2010/main" w="9525">
+                <a14:hiddenLine xmlns:a14="http://schemas.microsoft.com/office/drawing/2010/main" xmlns="" w="9525">
                   <a:solidFill>
                     <a:srgbClr val="000000"/>
                   </a:solidFill>
@@ -1925,7 +1926,7 @@
             </a:ln>
             <a:extLst>
               <a:ext uri="{91240B29-F687-4f45-9708-019B960494DF}">
-                <a14:hiddenLine xmlns="" xmlns:a14="http://schemas.microsoft.com/office/drawing/2010/main" w="9525">
+                <a14:hiddenLine xmlns:a14="http://schemas.microsoft.com/office/drawing/2010/main" xmlns="" w="9525">
                   <a:solidFill>
                     <a:srgbClr val="000000"/>
                   </a:solidFill>
@@ -2015,7 +2016,7 @@
             </a:ln>
             <a:extLst>
               <a:ext uri="{91240B29-F687-4f45-9708-019B960494DF}">
-                <a14:hiddenLine xmlns="" xmlns:a14="http://schemas.microsoft.com/office/drawing/2010/main" w="9525">
+                <a14:hiddenLine xmlns:a14="http://schemas.microsoft.com/office/drawing/2010/main" xmlns="" w="9525">
                   <a:solidFill>
                     <a:srgbClr val="000000"/>
                   </a:solidFill>
@@ -2083,7 +2084,7 @@
             </a:ln>
             <a:extLst>
               <a:ext uri="{91240B29-F687-4f45-9708-019B960494DF}">
-                <a14:hiddenLine xmlns="" xmlns:a14="http://schemas.microsoft.com/office/drawing/2010/main" w="9525">
+                <a14:hiddenLine xmlns:a14="http://schemas.microsoft.com/office/drawing/2010/main" xmlns="" w="9525">
                   <a:solidFill>
                     <a:srgbClr val="000000"/>
                   </a:solidFill>
@@ -2173,7 +2174,7 @@
             </a:ln>
             <a:extLst>
               <a:ext uri="{91240B29-F687-4f45-9708-019B960494DF}">
-                <a14:hiddenLine xmlns="" xmlns:a14="http://schemas.microsoft.com/office/drawing/2010/main" w="9525">
+                <a14:hiddenLine xmlns:a14="http://schemas.microsoft.com/office/drawing/2010/main" xmlns="" w="9525">
                   <a:solidFill>
                     <a:srgbClr val="000000"/>
                   </a:solidFill>
@@ -2241,7 +2242,7 @@
             </a:ln>
             <a:extLst>
               <a:ext uri="{91240B29-F687-4f45-9708-019B960494DF}">
-                <a14:hiddenLine xmlns="" xmlns:a14="http://schemas.microsoft.com/office/drawing/2010/main" w="9525">
+                <a14:hiddenLine xmlns:a14="http://schemas.microsoft.com/office/drawing/2010/main" xmlns="" w="9525">
                   <a:solidFill>
                     <a:srgbClr val="000000"/>
                   </a:solidFill>
@@ -2331,7 +2332,7 @@
             </a:ln>
             <a:extLst>
               <a:ext uri="{91240B29-F687-4f45-9708-019B960494DF}">
-                <a14:hiddenLine xmlns="" xmlns:a14="http://schemas.microsoft.com/office/drawing/2010/main" w="9525">
+                <a14:hiddenLine xmlns:a14="http://schemas.microsoft.com/office/drawing/2010/main" xmlns="" w="9525">
                   <a:solidFill>
                     <a:srgbClr val="000000"/>
                   </a:solidFill>
@@ -2365,7 +2366,7 @@
             </a:ln>
             <a:extLst>
               <a:ext uri="{91240B29-F687-4f45-9708-019B960494DF}">
-                <a14:hiddenLine xmlns="" xmlns:a14="http://schemas.microsoft.com/office/drawing/2010/main" w="9525">
+                <a14:hiddenLine xmlns:a14="http://schemas.microsoft.com/office/drawing/2010/main" xmlns="" w="9525">
                   <a:solidFill>
                     <a:srgbClr val="000000"/>
                   </a:solidFill>
@@ -2455,7 +2456,7 @@
             </a:ln>
             <a:extLst>
               <a:ext uri="{91240B29-F687-4f45-9708-019B960494DF}">
-                <a14:hiddenLine xmlns="" xmlns:a14="http://schemas.microsoft.com/office/drawing/2010/main" w="9525">
+                <a14:hiddenLine xmlns:a14="http://schemas.microsoft.com/office/drawing/2010/main" xmlns="" w="9525">
                   <a:solidFill>
                     <a:srgbClr val="000000"/>
                   </a:solidFill>
@@ -2517,7 +2518,7 @@
             </a:ln>
             <a:extLst>
               <a:ext uri="{91240B29-F687-4f45-9708-019B960494DF}">
-                <a14:hiddenLine xmlns="" xmlns:a14="http://schemas.microsoft.com/office/drawing/2010/main" w="9525">
+                <a14:hiddenLine xmlns:a14="http://schemas.microsoft.com/office/drawing/2010/main" xmlns="" w="9525">
                   <a:solidFill>
                     <a:srgbClr val="000000"/>
                   </a:solidFill>
@@ -2579,7 +2580,7 @@
             </a:ln>
             <a:extLst>
               <a:ext uri="{91240B29-F687-4f45-9708-019B960494DF}">
-                <a14:hiddenLine xmlns="" xmlns:a14="http://schemas.microsoft.com/office/drawing/2010/main" w="9525">
+                <a14:hiddenLine xmlns:a14="http://schemas.microsoft.com/office/drawing/2010/main" xmlns="" w="9525">
                   <a:solidFill>
                     <a:srgbClr val="000000"/>
                   </a:solidFill>
@@ -2669,7 +2670,7 @@
             </a:ln>
             <a:extLst>
               <a:ext uri="{91240B29-F687-4f45-9708-019B960494DF}">
-                <a14:hiddenLine xmlns="" xmlns:a14="http://schemas.microsoft.com/office/drawing/2010/main" w="9525">
+                <a14:hiddenLine xmlns:a14="http://schemas.microsoft.com/office/drawing/2010/main" xmlns="" w="9525">
                   <a:solidFill>
                     <a:srgbClr val="000000"/>
                   </a:solidFill>
@@ -2737,7 +2738,7 @@
             </a:ln>
             <a:extLst>
               <a:ext uri="{91240B29-F687-4f45-9708-019B960494DF}">
-                <a14:hiddenLine xmlns="" xmlns:a14="http://schemas.microsoft.com/office/drawing/2010/main" w="9525">
+                <a14:hiddenLine xmlns:a14="http://schemas.microsoft.com/office/drawing/2010/main" xmlns="" w="9525">
                   <a:solidFill>
                     <a:srgbClr val="000000"/>
                   </a:solidFill>
@@ -2799,7 +2800,7 @@
             </a:ln>
             <a:extLst>
               <a:ext uri="{91240B29-F687-4f45-9708-019B960494DF}">
-                <a14:hiddenLine xmlns="" xmlns:a14="http://schemas.microsoft.com/office/drawing/2010/main" w="9525">
+                <a14:hiddenLine xmlns:a14="http://schemas.microsoft.com/office/drawing/2010/main" xmlns="" w="9525">
                   <a:solidFill>
                     <a:srgbClr val="000000"/>
                   </a:solidFill>
@@ -2889,7 +2890,7 @@
             </a:ln>
             <a:extLst>
               <a:ext uri="{91240B29-F687-4f45-9708-019B960494DF}">
-                <a14:hiddenLine xmlns="" xmlns:a14="http://schemas.microsoft.com/office/drawing/2010/main" w="9525">
+                <a14:hiddenLine xmlns:a14="http://schemas.microsoft.com/office/drawing/2010/main" xmlns="" w="9525">
                   <a:solidFill>
                     <a:srgbClr val="000000"/>
                   </a:solidFill>
@@ -2951,7 +2952,7 @@
             </a:ln>
             <a:extLst>
               <a:ext uri="{91240B29-F687-4f45-9708-019B960494DF}">
-                <a14:hiddenLine xmlns="" xmlns:a14="http://schemas.microsoft.com/office/drawing/2010/main" w="9525">
+                <a14:hiddenLine xmlns:a14="http://schemas.microsoft.com/office/drawing/2010/main" xmlns="" w="9525">
                   <a:solidFill>
                     <a:srgbClr val="000000"/>
                   </a:solidFill>
@@ -3041,7 +3042,7 @@
             </a:ln>
             <a:extLst>
               <a:ext uri="{91240B29-F687-4f45-9708-019B960494DF}">
-                <a14:hiddenLine xmlns="" xmlns:a14="http://schemas.microsoft.com/office/drawing/2010/main" w="9525">
+                <a14:hiddenLine xmlns:a14="http://schemas.microsoft.com/office/drawing/2010/main" xmlns="" w="9525">
                   <a:solidFill>
                     <a:srgbClr val="000000"/>
                   </a:solidFill>
@@ -3103,7 +3104,7 @@
             </a:ln>
             <a:extLst>
               <a:ext uri="{91240B29-F687-4f45-9708-019B960494DF}">
-                <a14:hiddenLine xmlns="" xmlns:a14="http://schemas.microsoft.com/office/drawing/2010/main" w="9525">
+                <a14:hiddenLine xmlns:a14="http://schemas.microsoft.com/office/drawing/2010/main" xmlns="" w="9525">
                   <a:solidFill>
                     <a:srgbClr val="000000"/>
                   </a:solidFill>
@@ -3193,7 +3194,7 @@
             </a:ln>
             <a:extLst>
               <a:ext uri="{91240B29-F687-4f45-9708-019B960494DF}">
-                <a14:hiddenLine xmlns="" xmlns:a14="http://schemas.microsoft.com/office/drawing/2010/main" w="9525">
+                <a14:hiddenLine xmlns:a14="http://schemas.microsoft.com/office/drawing/2010/main" xmlns="" w="9525">
                   <a:solidFill>
                     <a:srgbClr val="000000"/>
                   </a:solidFill>
@@ -3227,7 +3228,7 @@
             </a:ln>
             <a:extLst>
               <a:ext uri="{91240B29-F687-4f45-9708-019B960494DF}">
-                <a14:hiddenLine xmlns="" xmlns:a14="http://schemas.microsoft.com/office/drawing/2010/main" w="9525">
+                <a14:hiddenLine xmlns:a14="http://schemas.microsoft.com/office/drawing/2010/main" xmlns="" w="9525">
                   <a:solidFill>
                     <a:srgbClr val="000000"/>
                   </a:solidFill>
@@ -3292,7 +3293,7 @@
             </a:ln>
             <a:extLst>
               <a:ext uri="{91240B29-F687-4f45-9708-019B960494DF}">
-                <a14:hiddenLine xmlns="" xmlns:a14="http://schemas.microsoft.com/office/drawing/2010/main" w="9525">
+                <a14:hiddenLine xmlns:a14="http://schemas.microsoft.com/office/drawing/2010/main" xmlns="" w="9525">
                   <a:solidFill>
                     <a:srgbClr val="000000"/>
                   </a:solidFill>
@@ -3382,7 +3383,7 @@
             </a:ln>
             <a:extLst>
               <a:ext uri="{91240B29-F687-4f45-9708-019B960494DF}">
-                <a14:hiddenLine xmlns="" xmlns:a14="http://schemas.microsoft.com/office/drawing/2010/main" w="9525">
+                <a14:hiddenLine xmlns:a14="http://schemas.microsoft.com/office/drawing/2010/main" xmlns="" w="9525">
                   <a:solidFill>
                     <a:srgbClr val="000000"/>
                   </a:solidFill>
@@ -3444,7 +3445,7 @@
             </a:ln>
             <a:extLst>
               <a:ext uri="{91240B29-F687-4f45-9708-019B960494DF}">
-                <a14:hiddenLine xmlns="" xmlns:a14="http://schemas.microsoft.com/office/drawing/2010/main" w="9525">
+                <a14:hiddenLine xmlns:a14="http://schemas.microsoft.com/office/drawing/2010/main" xmlns="" w="9525">
                   <a:solidFill>
                     <a:srgbClr val="000000"/>
                   </a:solidFill>
@@ -3534,7 +3535,7 @@
             </a:ln>
             <a:extLst>
               <a:ext uri="{91240B29-F687-4f45-9708-019B960494DF}">
-                <a14:hiddenLine xmlns="" xmlns:a14="http://schemas.microsoft.com/office/drawing/2010/main" w="9525">
+                <a14:hiddenLine xmlns:a14="http://schemas.microsoft.com/office/drawing/2010/main" xmlns="" w="9525">
                   <a:solidFill>
                     <a:srgbClr val="000000"/>
                   </a:solidFill>
@@ -3624,7 +3625,7 @@
             </a:ln>
             <a:extLst>
               <a:ext uri="{91240B29-F687-4f45-9708-019B960494DF}">
-                <a14:hiddenLine xmlns="" xmlns:a14="http://schemas.microsoft.com/office/drawing/2010/main" w="9525">
+                <a14:hiddenLine xmlns:a14="http://schemas.microsoft.com/office/drawing/2010/main" xmlns="" w="9525">
                   <a:solidFill>
                     <a:srgbClr val="000000"/>
                   </a:solidFill>
@@ -3689,7 +3690,7 @@
             </a:ln>
             <a:extLst>
               <a:ext uri="{91240B29-F687-4f45-9708-019B960494DF}">
-                <a14:hiddenLine xmlns="" xmlns:a14="http://schemas.microsoft.com/office/drawing/2010/main" w="9525">
+                <a14:hiddenLine xmlns:a14="http://schemas.microsoft.com/office/drawing/2010/main" xmlns="" w="9525">
                   <a:solidFill>
                     <a:srgbClr val="000000"/>
                   </a:solidFill>
@@ -3751,7 +3752,7 @@
             </a:ln>
             <a:extLst>
               <a:ext uri="{91240B29-F687-4f45-9708-019B960494DF}">
-                <a14:hiddenLine xmlns="" xmlns:a14="http://schemas.microsoft.com/office/drawing/2010/main" w="9525">
+                <a14:hiddenLine xmlns:a14="http://schemas.microsoft.com/office/drawing/2010/main" xmlns="" w="9525">
                   <a:solidFill>
                     <a:srgbClr val="000000"/>
                   </a:solidFill>
@@ -3841,7 +3842,7 @@
             </a:ln>
             <a:extLst>
               <a:ext uri="{91240B29-F687-4f45-9708-019B960494DF}">
-                <a14:hiddenLine xmlns="" xmlns:a14="http://schemas.microsoft.com/office/drawing/2010/main" w="9525">
+                <a14:hiddenLine xmlns:a14="http://schemas.microsoft.com/office/drawing/2010/main" xmlns="" w="9525">
                   <a:solidFill>
                     <a:srgbClr val="000000"/>
                   </a:solidFill>
@@ -3931,7 +3932,7 @@
             </a:ln>
             <a:extLst>
               <a:ext uri="{91240B29-F687-4f45-9708-019B960494DF}">
-                <a14:hiddenLine xmlns="" xmlns:a14="http://schemas.microsoft.com/office/drawing/2010/main" w="9525">
+                <a14:hiddenLine xmlns:a14="http://schemas.microsoft.com/office/drawing/2010/main" xmlns="" w="9525">
                   <a:solidFill>
                     <a:srgbClr val="000000"/>
                   </a:solidFill>
@@ -3993,7 +3994,7 @@
             </a:ln>
             <a:extLst>
               <a:ext uri="{91240B29-F687-4f45-9708-019B960494DF}">
-                <a14:hiddenLine xmlns="" xmlns:a14="http://schemas.microsoft.com/office/drawing/2010/main" w="9525">
+                <a14:hiddenLine xmlns:a14="http://schemas.microsoft.com/office/drawing/2010/main" xmlns="" w="9525">
                   <a:solidFill>
                     <a:srgbClr val="000000"/>
                   </a:solidFill>
@@ -4113,7 +4114,7 @@
             </a:ln>
             <a:extLst>
               <a:ext uri="{91240B29-F687-4f45-9708-019B960494DF}">
-                <a14:hiddenLine xmlns="" xmlns:a14="http://schemas.microsoft.com/office/drawing/2010/main" w="9525">
+                <a14:hiddenLine xmlns:a14="http://schemas.microsoft.com/office/drawing/2010/main" xmlns="" w="9525">
                   <a:solidFill>
                     <a:srgbClr val="000000"/>
                   </a:solidFill>
@@ -4181,7 +4182,7 @@
             </a:ln>
             <a:extLst>
               <a:ext uri="{91240B29-F687-4f45-9708-019B960494DF}">
-                <a14:hiddenLine xmlns="" xmlns:a14="http://schemas.microsoft.com/office/drawing/2010/main" w="9525">
+                <a14:hiddenLine xmlns:a14="http://schemas.microsoft.com/office/drawing/2010/main" xmlns="" w="9525">
                   <a:solidFill>
                     <a:srgbClr val="000000"/>
                   </a:solidFill>
@@ -4271,7 +4272,7 @@
             </a:ln>
             <a:extLst>
               <a:ext uri="{91240B29-F687-4f45-9708-019B960494DF}">
-                <a14:hiddenLine xmlns="" xmlns:a14="http://schemas.microsoft.com/office/drawing/2010/main" w="9525">
+                <a14:hiddenLine xmlns:a14="http://schemas.microsoft.com/office/drawing/2010/main" xmlns="" w="9525">
                   <a:solidFill>
                     <a:srgbClr val="000000"/>
                   </a:solidFill>
@@ -9000,7 +9001,7 @@
           <a:noFill/>
           <a:extLst>
             <a:ext uri="{909E8E84-426E-40dd-AFC4-6F175D3DCCD1}">
-              <a14:hiddenFill xmlns="" xmlns:a14="http://schemas.microsoft.com/office/drawing/2010/main">
+              <a14:hiddenFill xmlns:a14="http://schemas.microsoft.com/office/drawing/2010/main" xmlns="">
                 <a:solidFill>
                   <a:srgbClr val="FFFFFF"/>
                 </a:solidFill>
@@ -9074,7 +9075,7 @@
               </a:ln>
               <a:extLst>
                 <a:ext uri="{91240B29-F687-4f45-9708-019B960494DF}">
-                  <a14:hiddenLine xmlns="" xmlns:a14="http://schemas.microsoft.com/office/drawing/2010/main" w="9525">
+                  <a14:hiddenLine xmlns:a14="http://schemas.microsoft.com/office/drawing/2010/main" xmlns="" w="9525">
                     <a:solidFill>
                       <a:srgbClr val="000000"/>
                     </a:solidFill>
@@ -9164,7 +9165,7 @@
               </a:ln>
               <a:extLst>
                 <a:ext uri="{91240B29-F687-4f45-9708-019B960494DF}">
-                  <a14:hiddenLine xmlns="" xmlns:a14="http://schemas.microsoft.com/office/drawing/2010/main" w="9525">
+                  <a14:hiddenLine xmlns:a14="http://schemas.microsoft.com/office/drawing/2010/main" xmlns="" w="9525">
                     <a:solidFill>
                       <a:srgbClr val="000000"/>
                     </a:solidFill>
@@ -9254,7 +9255,7 @@
               </a:ln>
               <a:extLst>
                 <a:ext uri="{91240B29-F687-4f45-9708-019B960494DF}">
-                  <a14:hiddenLine xmlns="" xmlns:a14="http://schemas.microsoft.com/office/drawing/2010/main" w="9525">
+                  <a14:hiddenLine xmlns:a14="http://schemas.microsoft.com/office/drawing/2010/main" xmlns="" w="9525">
                     <a:solidFill>
                       <a:srgbClr val="000000"/>
                     </a:solidFill>
@@ -9316,7 +9317,7 @@
               </a:ln>
               <a:extLst>
                 <a:ext uri="{91240B29-F687-4f45-9708-019B960494DF}">
-                  <a14:hiddenLine xmlns="" xmlns:a14="http://schemas.microsoft.com/office/drawing/2010/main" w="9525">
+                  <a14:hiddenLine xmlns:a14="http://schemas.microsoft.com/office/drawing/2010/main" xmlns="" w="9525">
                     <a:solidFill>
                       <a:srgbClr val="000000"/>
                     </a:solidFill>
@@ -9406,7 +9407,7 @@
               </a:ln>
               <a:extLst>
                 <a:ext uri="{91240B29-F687-4f45-9708-019B960494DF}">
-                  <a14:hiddenLine xmlns="" xmlns:a14="http://schemas.microsoft.com/office/drawing/2010/main" w="9525">
+                  <a14:hiddenLine xmlns:a14="http://schemas.microsoft.com/office/drawing/2010/main" xmlns="" w="9525">
                     <a:solidFill>
                       <a:srgbClr val="000000"/>
                     </a:solidFill>
@@ -9468,7 +9469,7 @@
               </a:ln>
               <a:extLst>
                 <a:ext uri="{91240B29-F687-4f45-9708-019B960494DF}">
-                  <a14:hiddenLine xmlns="" xmlns:a14="http://schemas.microsoft.com/office/drawing/2010/main" w="9525">
+                  <a14:hiddenLine xmlns:a14="http://schemas.microsoft.com/office/drawing/2010/main" xmlns="" w="9525">
                     <a:solidFill>
                       <a:srgbClr val="000000"/>
                     </a:solidFill>
@@ -9530,7 +9531,7 @@
               </a:ln>
               <a:extLst>
                 <a:ext uri="{91240B29-F687-4f45-9708-019B960494DF}">
-                  <a14:hiddenLine xmlns="" xmlns:a14="http://schemas.microsoft.com/office/drawing/2010/main" w="9525">
+                  <a14:hiddenLine xmlns:a14="http://schemas.microsoft.com/office/drawing/2010/main" xmlns="" w="9525">
                     <a:solidFill>
                       <a:srgbClr val="000000"/>
                     </a:solidFill>
@@ -9620,7 +9621,7 @@
               </a:ln>
               <a:extLst>
                 <a:ext uri="{91240B29-F687-4f45-9708-019B960494DF}">
-                  <a14:hiddenLine xmlns="" xmlns:a14="http://schemas.microsoft.com/office/drawing/2010/main" w="9525">
+                  <a14:hiddenLine xmlns:a14="http://schemas.microsoft.com/office/drawing/2010/main" xmlns="" w="9525">
                     <a:solidFill>
                       <a:srgbClr val="000000"/>
                     </a:solidFill>
@@ -9710,7 +9711,7 @@
               </a:ln>
               <a:extLst>
                 <a:ext uri="{91240B29-F687-4f45-9708-019B960494DF}">
-                  <a14:hiddenLine xmlns="" xmlns:a14="http://schemas.microsoft.com/office/drawing/2010/main" w="9525">
+                  <a14:hiddenLine xmlns:a14="http://schemas.microsoft.com/office/drawing/2010/main" xmlns="" w="9525">
                     <a:solidFill>
                       <a:srgbClr val="000000"/>
                     </a:solidFill>
@@ -9772,7 +9773,7 @@
               </a:ln>
               <a:extLst>
                 <a:ext uri="{91240B29-F687-4f45-9708-019B960494DF}">
-                  <a14:hiddenLine xmlns="" xmlns:a14="http://schemas.microsoft.com/office/drawing/2010/main" w="9525">
+                  <a14:hiddenLine xmlns:a14="http://schemas.microsoft.com/office/drawing/2010/main" xmlns="" w="9525">
                     <a:solidFill>
                       <a:srgbClr val="000000"/>
                     </a:solidFill>
@@ -9882,7 +9883,7 @@
               </a:ln>
               <a:extLst>
                 <a:ext uri="{91240B29-F687-4f45-9708-019B960494DF}">
-                  <a14:hiddenLine xmlns="" xmlns:a14="http://schemas.microsoft.com/office/drawing/2010/main" w="9525">
+                  <a14:hiddenLine xmlns:a14="http://schemas.microsoft.com/office/drawing/2010/main" xmlns="" w="9525">
                     <a:solidFill>
                       <a:srgbClr val="000000"/>
                     </a:solidFill>
@@ -9966,7 +9967,7 @@
               </a:ln>
               <a:extLst>
                 <a:ext uri="{91240B29-F687-4f45-9708-019B960494DF}">
-                  <a14:hiddenLine xmlns="" xmlns:a14="http://schemas.microsoft.com/office/drawing/2010/main" w="9525">
+                  <a14:hiddenLine xmlns:a14="http://schemas.microsoft.com/office/drawing/2010/main" xmlns="" w="9525">
                     <a:solidFill>
                       <a:srgbClr val="000000"/>
                     </a:solidFill>
@@ -10028,7 +10029,7 @@
               </a:ln>
               <a:extLst>
                 <a:ext uri="{91240B29-F687-4f45-9708-019B960494DF}">
-                  <a14:hiddenLine xmlns="" xmlns:a14="http://schemas.microsoft.com/office/drawing/2010/main" w="9525">
+                  <a14:hiddenLine xmlns:a14="http://schemas.microsoft.com/office/drawing/2010/main" xmlns="" w="9525">
                     <a:solidFill>
                       <a:srgbClr val="000000"/>
                     </a:solidFill>
@@ -10090,7 +10091,7 @@
               </a:ln>
               <a:extLst>
                 <a:ext uri="{91240B29-F687-4f45-9708-019B960494DF}">
-                  <a14:hiddenLine xmlns="" xmlns:a14="http://schemas.microsoft.com/office/drawing/2010/main" w="9525">
+                  <a14:hiddenLine xmlns:a14="http://schemas.microsoft.com/office/drawing/2010/main" xmlns="" w="9525">
                     <a:solidFill>
                       <a:srgbClr val="000000"/>
                     </a:solidFill>
@@ -10180,7 +10181,7 @@
               </a:ln>
               <a:extLst>
                 <a:ext uri="{91240B29-F687-4f45-9708-019B960494DF}">
-                  <a14:hiddenLine xmlns="" xmlns:a14="http://schemas.microsoft.com/office/drawing/2010/main" w="9525">
+                  <a14:hiddenLine xmlns:a14="http://schemas.microsoft.com/office/drawing/2010/main" xmlns="" w="9525">
                     <a:solidFill>
                       <a:srgbClr val="000000"/>
                     </a:solidFill>
@@ -10214,7 +10215,7 @@
               </a:ln>
               <a:extLst>
                 <a:ext uri="{91240B29-F687-4f45-9708-019B960494DF}">
-                  <a14:hiddenLine xmlns="" xmlns:a14="http://schemas.microsoft.com/office/drawing/2010/main" w="9525">
+                  <a14:hiddenLine xmlns:a14="http://schemas.microsoft.com/office/drawing/2010/main" xmlns="" w="9525">
                     <a:solidFill>
                       <a:srgbClr val="000000"/>
                     </a:solidFill>
@@ -10279,7 +10280,7 @@
               </a:ln>
               <a:extLst>
                 <a:ext uri="{91240B29-F687-4f45-9708-019B960494DF}">
-                  <a14:hiddenLine xmlns="" xmlns:a14="http://schemas.microsoft.com/office/drawing/2010/main" w="9525">
+                  <a14:hiddenLine xmlns:a14="http://schemas.microsoft.com/office/drawing/2010/main" xmlns="" w="9525">
                     <a:solidFill>
                       <a:srgbClr val="000000"/>
                     </a:solidFill>
@@ -10369,7 +10370,7 @@
               </a:ln>
               <a:extLst>
                 <a:ext uri="{91240B29-F687-4f45-9708-019B960494DF}">
-                  <a14:hiddenLine xmlns="" xmlns:a14="http://schemas.microsoft.com/office/drawing/2010/main" w="9525">
+                  <a14:hiddenLine xmlns:a14="http://schemas.microsoft.com/office/drawing/2010/main" xmlns="" w="9525">
                     <a:solidFill>
                       <a:srgbClr val="000000"/>
                     </a:solidFill>
@@ -10431,7 +10432,7 @@
               </a:ln>
               <a:extLst>
                 <a:ext uri="{91240B29-F687-4f45-9708-019B960494DF}">
-                  <a14:hiddenLine xmlns="" xmlns:a14="http://schemas.microsoft.com/office/drawing/2010/main" w="9525">
+                  <a14:hiddenLine xmlns:a14="http://schemas.microsoft.com/office/drawing/2010/main" xmlns="" w="9525">
                     <a:solidFill>
                       <a:srgbClr val="000000"/>
                     </a:solidFill>
@@ -10521,7 +10522,7 @@
               </a:ln>
               <a:extLst>
                 <a:ext uri="{91240B29-F687-4f45-9708-019B960494DF}">
-                  <a14:hiddenLine xmlns="" xmlns:a14="http://schemas.microsoft.com/office/drawing/2010/main" w="9525">
+                  <a14:hiddenLine xmlns:a14="http://schemas.microsoft.com/office/drawing/2010/main" xmlns="" w="9525">
                     <a:solidFill>
                       <a:srgbClr val="000000"/>
                     </a:solidFill>
@@ -10586,7 +10587,7 @@
               </a:ln>
               <a:extLst>
                 <a:ext uri="{91240B29-F687-4f45-9708-019B960494DF}">
-                  <a14:hiddenLine xmlns="" xmlns:a14="http://schemas.microsoft.com/office/drawing/2010/main" w="9525">
+                  <a14:hiddenLine xmlns:a14="http://schemas.microsoft.com/office/drawing/2010/main" xmlns="" w="9525">
                     <a:solidFill>
                       <a:srgbClr val="000000"/>
                     </a:solidFill>
@@ -10648,7 +10649,7 @@
               </a:ln>
               <a:extLst>
                 <a:ext uri="{91240B29-F687-4f45-9708-019B960494DF}">
-                  <a14:hiddenLine xmlns="" xmlns:a14="http://schemas.microsoft.com/office/drawing/2010/main" w="9525">
+                  <a14:hiddenLine xmlns:a14="http://schemas.microsoft.com/office/drawing/2010/main" xmlns="" w="9525">
                     <a:solidFill>
                       <a:srgbClr val="000000"/>
                     </a:solidFill>
@@ -10738,7 +10739,7 @@
               </a:ln>
               <a:extLst>
                 <a:ext uri="{91240B29-F687-4f45-9708-019B960494DF}">
-                  <a14:hiddenLine xmlns="" xmlns:a14="http://schemas.microsoft.com/office/drawing/2010/main" w="9525">
+                  <a14:hiddenLine xmlns:a14="http://schemas.microsoft.com/office/drawing/2010/main" xmlns="" w="9525">
                     <a:solidFill>
                       <a:srgbClr val="000000"/>
                     </a:solidFill>
@@ -10828,7 +10829,7 @@
               </a:ln>
               <a:extLst>
                 <a:ext uri="{91240B29-F687-4f45-9708-019B960494DF}">
-                  <a14:hiddenLine xmlns="" xmlns:a14="http://schemas.microsoft.com/office/drawing/2010/main" w="9525">
+                  <a14:hiddenLine xmlns:a14="http://schemas.microsoft.com/office/drawing/2010/main" xmlns="" w="9525">
                     <a:solidFill>
                       <a:srgbClr val="000000"/>
                     </a:solidFill>
@@ -10893,7 +10894,7 @@
               </a:ln>
               <a:extLst>
                 <a:ext uri="{91240B29-F687-4f45-9708-019B960494DF}">
-                  <a14:hiddenLine xmlns="" xmlns:a14="http://schemas.microsoft.com/office/drawing/2010/main" w="9525">
+                  <a14:hiddenLine xmlns:a14="http://schemas.microsoft.com/office/drawing/2010/main" xmlns="" w="9525">
                     <a:solidFill>
                       <a:srgbClr val="000000"/>
                     </a:solidFill>
@@ -11013,7 +11014,7 @@
               </a:ln>
               <a:extLst>
                 <a:ext uri="{91240B29-F687-4f45-9708-019B960494DF}">
-                  <a14:hiddenLine xmlns="" xmlns:a14="http://schemas.microsoft.com/office/drawing/2010/main" w="9525">
+                  <a14:hiddenLine xmlns:a14="http://schemas.microsoft.com/office/drawing/2010/main" xmlns="" w="9525">
                     <a:solidFill>
                       <a:srgbClr val="000000"/>
                     </a:solidFill>
@@ -11094,7 +11095,7 @@
               </a:ln>
               <a:extLst>
                 <a:ext uri="{91240B29-F687-4f45-9708-019B960494DF}">
-                  <a14:hiddenLine xmlns="" xmlns:a14="http://schemas.microsoft.com/office/drawing/2010/main" w="9525">
+                  <a14:hiddenLine xmlns:a14="http://schemas.microsoft.com/office/drawing/2010/main" xmlns="" w="9525">
                     <a:solidFill>
                       <a:srgbClr val="000000"/>
                     </a:solidFill>
@@ -11209,7 +11210,7 @@
               </a:ln>
               <a:extLst>
                 <a:ext uri="{91240B29-F687-4f45-9708-019B960494DF}">
-                  <a14:hiddenLine xmlns="" xmlns:a14="http://schemas.microsoft.com/office/drawing/2010/main" w="9525">
+                  <a14:hiddenLine xmlns:a14="http://schemas.microsoft.com/office/drawing/2010/main" xmlns="" w="9525">
                     <a:solidFill>
                       <a:srgbClr val="000000"/>
                     </a:solidFill>
@@ -11299,7 +11300,7 @@
               </a:ln>
               <a:extLst>
                 <a:ext uri="{91240B29-F687-4f45-9708-019B960494DF}">
-                  <a14:hiddenLine xmlns="" xmlns:a14="http://schemas.microsoft.com/office/drawing/2010/main" w="9525">
+                  <a14:hiddenLine xmlns:a14="http://schemas.microsoft.com/office/drawing/2010/main" xmlns="" w="9525">
                     <a:solidFill>
                       <a:srgbClr val="000000"/>
                     </a:solidFill>
@@ -11364,7 +11365,7 @@
               </a:ln>
               <a:extLst>
                 <a:ext uri="{91240B29-F687-4f45-9708-019B960494DF}">
-                  <a14:hiddenLine xmlns="" xmlns:a14="http://schemas.microsoft.com/office/drawing/2010/main" w="9525">
+                  <a14:hiddenLine xmlns:a14="http://schemas.microsoft.com/office/drawing/2010/main" xmlns="" w="9525">
                     <a:solidFill>
                       <a:srgbClr val="000000"/>
                     </a:solidFill>
@@ -11454,7 +11455,7 @@
               </a:ln>
               <a:extLst>
                 <a:ext uri="{91240B29-F687-4f45-9708-019B960494DF}">
-                  <a14:hiddenLine xmlns="" xmlns:a14="http://schemas.microsoft.com/office/drawing/2010/main" w="9525">
+                  <a14:hiddenLine xmlns:a14="http://schemas.microsoft.com/office/drawing/2010/main" xmlns="" w="9525">
                     <a:solidFill>
                       <a:srgbClr val="000000"/>
                     </a:solidFill>
@@ -11522,7 +11523,7 @@
               </a:ln>
               <a:extLst>
                 <a:ext uri="{91240B29-F687-4f45-9708-019B960494DF}">
-                  <a14:hiddenLine xmlns="" xmlns:a14="http://schemas.microsoft.com/office/drawing/2010/main" w="9525">
+                  <a14:hiddenLine xmlns:a14="http://schemas.microsoft.com/office/drawing/2010/main" xmlns="" w="9525">
                     <a:solidFill>
                       <a:srgbClr val="000000"/>
                     </a:solidFill>
@@ -11612,7 +11613,7 @@
               </a:ln>
               <a:extLst>
                 <a:ext uri="{91240B29-F687-4f45-9708-019B960494DF}">
-                  <a14:hiddenLine xmlns="" xmlns:a14="http://schemas.microsoft.com/office/drawing/2010/main" w="9525">
+                  <a14:hiddenLine xmlns:a14="http://schemas.microsoft.com/office/drawing/2010/main" xmlns="" w="9525">
                     <a:solidFill>
                       <a:srgbClr val="000000"/>
                     </a:solidFill>
@@ -11680,7 +11681,7 @@
               </a:ln>
               <a:extLst>
                 <a:ext uri="{91240B29-F687-4f45-9708-019B960494DF}">
-                  <a14:hiddenLine xmlns="" xmlns:a14="http://schemas.microsoft.com/office/drawing/2010/main" w="9525">
+                  <a14:hiddenLine xmlns:a14="http://schemas.microsoft.com/office/drawing/2010/main" xmlns="" w="9525">
                     <a:solidFill>
                       <a:srgbClr val="000000"/>
                     </a:solidFill>
@@ -11770,7 +11771,7 @@
               </a:ln>
               <a:extLst>
                 <a:ext uri="{91240B29-F687-4f45-9708-019B960494DF}">
-                  <a14:hiddenLine xmlns="" xmlns:a14="http://schemas.microsoft.com/office/drawing/2010/main" w="9525">
+                  <a14:hiddenLine xmlns:a14="http://schemas.microsoft.com/office/drawing/2010/main" xmlns="" w="9525">
                     <a:solidFill>
                       <a:srgbClr val="000000"/>
                     </a:solidFill>
@@ -11804,7 +11805,7 @@
               </a:ln>
               <a:extLst>
                 <a:ext uri="{91240B29-F687-4f45-9708-019B960494DF}">
-                  <a14:hiddenLine xmlns="" xmlns:a14="http://schemas.microsoft.com/office/drawing/2010/main" w="9525">
+                  <a14:hiddenLine xmlns:a14="http://schemas.microsoft.com/office/drawing/2010/main" xmlns="" w="9525">
                     <a:solidFill>
                       <a:srgbClr val="000000"/>
                     </a:solidFill>
@@ -12686,7 +12687,7 @@
         </p:nvGrpSpPr>
         <p:grpSpPr>
           <a:xfrm>
-            <a:off x="473393" y="2267440"/>
+            <a:off x="471803" y="2294735"/>
             <a:ext cx="11245215" cy="4249738"/>
             <a:chOff x="600421" y="2267440"/>
             <a:chExt cx="11245215" cy="4249738"/>
@@ -13095,7 +13096,7 @@
           <a:graphicData uri="http://schemas.openxmlformats.org/presentationml/2006/ole">
             <mc:AlternateContent xmlns:mc="http://schemas.openxmlformats.org/markup-compatibility/2006">
               <mc:Choice xmlns:v="urn:schemas-microsoft-com:vml" Requires="v">
-                <p:oleObj spid="_x0000_s3083" name="Visio" r:id="rId3" imgW="12620786" imgH="7124866" progId="Visio.Drawing.15">
+                <p:oleObj spid="_x0000_s3084" name="Visio" r:id="rId3" imgW="12620786" imgH="7124866" progId="Visio.Drawing.15">
                   <p:embed/>
                 </p:oleObj>
               </mc:Choice>
@@ -13331,12 +13332,12 @@
           <a:graphicData uri="http://schemas.openxmlformats.org/presentationml/2006/ole">
             <mc:AlternateContent xmlns:mc="http://schemas.openxmlformats.org/markup-compatibility/2006">
               <mc:Choice xmlns:v="urn:schemas-microsoft-com:vml" Requires="v">
-                <p:oleObj spid="_x0000_s4105" r:id="rId3" imgW="5858015" imgH="6229312" progId="Visio.Drawing.15">
+                <p:oleObj spid="_x0000_s4106" r:id="rId4" imgW="5858015" imgH="6229312" progId="Visio.Drawing.15">
                   <p:embed/>
                 </p:oleObj>
               </mc:Choice>
               <mc:Fallback>
-                <p:oleObj r:id="rId3" imgW="5858015" imgH="6229312" progId="Visio.Drawing.15">
+                <p:oleObj r:id="rId4" imgW="5858015" imgH="6229312" progId="Visio.Drawing.15">
                   <p:embed/>
                   <p:pic>
                     <p:nvPicPr>
@@ -13347,7 +13348,7 @@
                       <p:nvPr/>
                     </p:nvPicPr>
                     <p:blipFill>
-                      <a:blip r:embed="rId4">
+                      <a:blip r:embed="rId5">
                         <a:extLst>
                           <a:ext uri="{28A0092B-C50C-407E-A947-70E740481C1C}">
                             <a14:useLocalDpi xmlns:a14="http://schemas.microsoft.com/office/drawing/2010/main" val="0"/>
@@ -13430,69 +13431,52 @@
           <a:p>
             <a:r>
               <a:rPr lang="ru-RU" dirty="0" smtClean="0"/>
-              <a:t>Организация управления доступом</a:t>
+              <a:t>Диаграмма </a:t>
+            </a:r>
+            <a:r>
+              <a:rPr lang="ru-RU" dirty="0" err="1" smtClean="0"/>
+              <a:t>ганта</a:t>
             </a:r>
             <a:endParaRPr lang="ru-RU" dirty="0"/>
           </a:p>
         </p:txBody>
       </p:sp>
-      <p:sp>
-        <p:nvSpPr>
-          <p:cNvPr id="3" name="Объект 2"/>
-          <p:cNvSpPr>
-            <a:spLocks noGrp="1"/>
-          </p:cNvSpPr>
+      <p:pic>
+        <p:nvPicPr>
+          <p:cNvPr id="9" name="Объект 8"/>
+          <p:cNvPicPr>
+            <a:picLocks noGrp="1" noChangeAspect="1"/>
+          </p:cNvPicPr>
           <p:nvPr>
             <p:ph idx="1"/>
           </p:nvPr>
-        </p:nvSpPr>
-        <p:spPr/>
-        <p:txBody>
-          <a:bodyPr/>
-          <a:lstStyle/>
-          <a:p>
-            <a:r>
-              <a:rPr lang="ru-RU" dirty="0" smtClean="0"/>
-              <a:t>Гость</a:t>
-            </a:r>
-          </a:p>
-          <a:p>
-            <a:r>
-              <a:rPr lang="ru-RU" dirty="0" smtClean="0"/>
-              <a:t>Пользователь</a:t>
-            </a:r>
-          </a:p>
-          <a:p>
-            <a:r>
-              <a:rPr lang="ru-RU" dirty="0" smtClean="0"/>
-              <a:t>Администратор</a:t>
-            </a:r>
-          </a:p>
-          <a:p>
-            <a:r>
-              <a:rPr lang="ru-RU" dirty="0" smtClean="0"/>
-              <a:t>Модератор</a:t>
-            </a:r>
-          </a:p>
-        </p:txBody>
-      </p:sp>
+        </p:nvPicPr>
+        <p:blipFill>
+          <a:blip r:embed="rId2"/>
+          <a:stretch>
+            <a:fillRect/>
+          </a:stretch>
+        </p:blipFill>
+        <p:spPr>
+          <a:xfrm>
+            <a:off x="1141413" y="2527554"/>
+            <a:ext cx="10179562" cy="3068028"/>
+          </a:xfrm>
+          <a:prstGeom prst="rect">
+            <a:avLst/>
+          </a:prstGeom>
+        </p:spPr>
+      </p:pic>
     </p:spTree>
     <p:extLst>
       <p:ext uri="{BB962C8B-B14F-4D97-AF65-F5344CB8AC3E}">
-        <p14:creationId xmlns:p14="http://schemas.microsoft.com/office/powerpoint/2010/main" val="4077254675"/>
+        <p14:creationId xmlns:p14="http://schemas.microsoft.com/office/powerpoint/2010/main" val="1556082412"/>
       </p:ext>
     </p:extLst>
   </p:cSld>
   <p:clrMapOvr>
     <a:masterClrMapping/>
   </p:clrMapOvr>
-  <p:timing>
-    <p:tnLst>
-      <p:par>
-        <p:cTn id="1" dur="indefinite" restart="never" nodeType="tmRoot"/>
-      </p:par>
-    </p:tnLst>
-  </p:timing>
 </p:sld>
 </file>
 
@@ -13529,10 +13513,10 @@
           <a:lstStyle/>
           <a:p>
             <a:r>
-              <a:rPr lang="ru-RU" smtClean="0"/>
-              <a:t>Схема навигации</a:t>
-            </a:r>
-            <a:endParaRPr lang="ru-RU"/>
+              <a:rPr lang="ru-RU" dirty="0" smtClean="0"/>
+              <a:t>Организация управления доступом</a:t>
+            </a:r>
+            <a:endParaRPr lang="ru-RU" dirty="0"/>
           </a:p>
         </p:txBody>
       </p:sp>
@@ -13551,10 +13535,120 @@
           <a:bodyPr/>
           <a:lstStyle/>
           <a:p>
-            <a:endParaRPr lang="ru-RU"/>
+            <a:r>
+              <a:rPr lang="ru-RU" dirty="0" smtClean="0"/>
+              <a:t>Гость</a:t>
+            </a:r>
+          </a:p>
+          <a:p>
+            <a:r>
+              <a:rPr lang="ru-RU" dirty="0" smtClean="0"/>
+              <a:t>Пользователь</a:t>
+            </a:r>
+          </a:p>
+          <a:p>
+            <a:r>
+              <a:rPr lang="ru-RU" dirty="0" smtClean="0"/>
+              <a:t>Администратор</a:t>
+            </a:r>
+          </a:p>
+          <a:p>
+            <a:r>
+              <a:rPr lang="ru-RU" dirty="0" smtClean="0"/>
+              <a:t>Модератор</a:t>
+            </a:r>
           </a:p>
         </p:txBody>
       </p:sp>
+    </p:spTree>
+    <p:extLst>
+      <p:ext uri="{BB962C8B-B14F-4D97-AF65-F5344CB8AC3E}">
+        <p14:creationId xmlns:p14="http://schemas.microsoft.com/office/powerpoint/2010/main" val="4077254675"/>
+      </p:ext>
+    </p:extLst>
+  </p:cSld>
+  <p:clrMapOvr>
+    <a:masterClrMapping/>
+  </p:clrMapOvr>
+  <p:timing>
+    <p:tnLst>
+      <p:par>
+        <p:cTn id="1" dur="indefinite" restart="never" nodeType="tmRoot"/>
+      </p:par>
+    </p:tnLst>
+  </p:timing>
+</p:sld>
+</file>
+
+<file path=ppt/slides/slide17.xml><?xml version="1.0" encoding="utf-8"?>
+<p:sld xmlns:a="http://schemas.openxmlformats.org/drawingml/2006/main" xmlns:r="http://schemas.openxmlformats.org/officeDocument/2006/relationships" xmlns:p="http://schemas.openxmlformats.org/presentationml/2006/main">
+  <p:cSld>
+    <p:spTree>
+      <p:nvGrpSpPr>
+        <p:cNvPr id="1" name=""/>
+        <p:cNvGrpSpPr/>
+        <p:nvPr/>
+      </p:nvGrpSpPr>
+      <p:grpSpPr>
+        <a:xfrm>
+          <a:off x="0" y="0"/>
+          <a:ext cx="0" cy="0"/>
+          <a:chOff x="0" y="0"/>
+          <a:chExt cx="0" cy="0"/>
+        </a:xfrm>
+      </p:grpSpPr>
+      <p:sp>
+        <p:nvSpPr>
+          <p:cNvPr id="2" name="Заголовок 1"/>
+          <p:cNvSpPr>
+            <a:spLocks noGrp="1"/>
+          </p:cNvSpPr>
+          <p:nvPr>
+            <p:ph type="title"/>
+          </p:nvPr>
+        </p:nvSpPr>
+        <p:spPr/>
+        <p:txBody>
+          <a:bodyPr/>
+          <a:lstStyle/>
+          <a:p>
+            <a:r>
+              <a:rPr lang="ru-RU" smtClean="0"/>
+              <a:t>Схема навигации</a:t>
+            </a:r>
+            <a:endParaRPr lang="ru-RU"/>
+          </a:p>
+        </p:txBody>
+      </p:sp>
+      <p:pic>
+        <p:nvPicPr>
+          <p:cNvPr id="4" name="Объект 3"/>
+          <p:cNvPicPr>
+            <a:picLocks noGrp="1" noChangeAspect="1"/>
+          </p:cNvPicPr>
+          <p:nvPr>
+            <p:ph idx="1"/>
+          </p:nvPr>
+        </p:nvPicPr>
+        <p:blipFill>
+          <a:blip r:embed="rId2">
+            <a:extLst>
+              <a:ext uri="{28A0092B-C50C-407E-A947-70E740481C1C}">
+                <a14:useLocalDpi xmlns:a14="http://schemas.microsoft.com/office/drawing/2010/main" val="0"/>
+              </a:ext>
+            </a:extLst>
+          </a:blip>
+          <a:stretch>
+            <a:fillRect/>
+          </a:stretch>
+        </p:blipFill>
+        <p:spPr>
+          <a:xfrm>
+            <a:off x="3509370" y="2249488"/>
+            <a:ext cx="5170085" cy="3541712"/>
+          </a:xfrm>
+        </p:spPr>
+      </p:pic>
     </p:spTree>
     <p:extLst>
       <p:ext uri="{BB962C8B-B14F-4D97-AF65-F5344CB8AC3E}">
@@ -13568,7 +13662,7 @@
 </p:sld>
 </file>
 
-<file path=ppt/slides/slide17.xml><?xml version="1.0" encoding="utf-8"?>
+<file path=ppt/slides/slide18.xml><?xml version="1.0" encoding="utf-8"?>
 <p:sld xmlns:a="http://schemas.openxmlformats.org/drawingml/2006/main" xmlns:r="http://schemas.openxmlformats.org/officeDocument/2006/relationships" xmlns:p="http://schemas.openxmlformats.org/presentationml/2006/main">
   <p:cSld>
     <p:spTree>
@@ -13715,7 +13809,7 @@
 </p:sld>
 </file>
 
-<file path=ppt/slides/slide18.xml><?xml version="1.0" encoding="utf-8"?>
+<file path=ppt/slides/slide19.xml><?xml version="1.0" encoding="utf-8"?>
 <p:sld xmlns:a="http://schemas.openxmlformats.org/drawingml/2006/main" xmlns:r="http://schemas.openxmlformats.org/officeDocument/2006/relationships" xmlns:p="http://schemas.openxmlformats.org/presentationml/2006/main">
   <p:cSld>
     <p:spTree>
@@ -13935,7 +14029,11 @@
             </a:r>
             <a:r>
               <a:rPr lang="en-US" dirty="0"/>
-              <a:t> о ДТП </a:t>
+              <a:t> о </a:t>
+            </a:r>
+            <a:r>
+              <a:rPr lang="en-US" dirty="0" smtClean="0"/>
+              <a:t>ДТП </a:t>
             </a:r>
             <a:r>
               <a:rPr lang="en-US" dirty="0" err="1"/>
@@ -14516,14 +14614,14 @@
                 <a:gridCol w="4953000">
                   <a:extLst>
                     <a:ext uri="{9D8B030D-6E8A-4147-A177-3AD203B41FA5}">
-                      <a16:colId xmlns:a16="http://schemas.microsoft.com/office/drawing/2014/main" val="20000"/>
+                      <a16:colId xmlns:a16="http://schemas.microsoft.com/office/drawing/2014/main" xmlns="" val="20000"/>
                     </a:ext>
                   </a:extLst>
                 </a:gridCol>
                 <a:gridCol w="4953000">
                   <a:extLst>
                     <a:ext uri="{9D8B030D-6E8A-4147-A177-3AD203B41FA5}">
-                      <a16:colId xmlns:a16="http://schemas.microsoft.com/office/drawing/2014/main" val="20001"/>
+                      <a16:colId xmlns:a16="http://schemas.microsoft.com/office/drawing/2014/main" xmlns="" val="20001"/>
                     </a:ext>
                   </a:extLst>
                 </a:gridCol>
@@ -14559,7 +14657,7 @@
                 </a:tc>
                 <a:extLst>
                   <a:ext uri="{0D108BD9-81ED-4DB2-BD59-A6C34878D82A}">
-                    <a16:rowId xmlns:a16="http://schemas.microsoft.com/office/drawing/2014/main" val="10000"/>
+                    <a16:rowId xmlns:a16="http://schemas.microsoft.com/office/drawing/2014/main" xmlns="" val="10000"/>
                   </a:ext>
                 </a:extLst>
               </a:tr>
@@ -14594,7 +14692,7 @@
                 </a:tc>
                 <a:extLst>
                   <a:ext uri="{0D108BD9-81ED-4DB2-BD59-A6C34878D82A}">
-                    <a16:rowId xmlns:a16="http://schemas.microsoft.com/office/drawing/2014/main" val="10001"/>
+                    <a16:rowId xmlns:a16="http://schemas.microsoft.com/office/drawing/2014/main" xmlns="" val="10001"/>
                   </a:ext>
                 </a:extLst>
               </a:tr>
@@ -14625,7 +14723,7 @@
                 </a:tc>
                 <a:extLst>
                   <a:ext uri="{0D108BD9-81ED-4DB2-BD59-A6C34878D82A}">
-                    <a16:rowId xmlns:a16="http://schemas.microsoft.com/office/drawing/2014/main" val="10002"/>
+                    <a16:rowId xmlns:a16="http://schemas.microsoft.com/office/drawing/2014/main" xmlns="" val="10002"/>
                   </a:ext>
                 </a:extLst>
               </a:tr>
@@ -15099,12 +15197,12 @@
           <a:graphicData uri="http://schemas.openxmlformats.org/presentationml/2006/ole">
             <mc:AlternateContent xmlns:mc="http://schemas.openxmlformats.org/markup-compatibility/2006">
               <mc:Choice xmlns:v="urn:schemas-microsoft-com:vml" Requires="v">
-                <p:oleObj spid="_x0000_s1035" r:id="rId3" imgW="23717228" imgH="18745047" progId="Visio.Drawing.15">
+                <p:oleObj spid="_x0000_s1036" r:id="rId4" imgW="23717228" imgH="18745047" progId="Visio.Drawing.15">
                   <p:embed/>
                 </p:oleObj>
               </mc:Choice>
               <mc:Fallback>
-                <p:oleObj r:id="rId3" imgW="23717228" imgH="18745047" progId="Visio.Drawing.15">
+                <p:oleObj r:id="rId4" imgW="23717228" imgH="18745047" progId="Visio.Drawing.15">
                   <p:embed/>
                   <p:pic>
                     <p:nvPicPr>
@@ -15115,7 +15213,7 @@
                       <p:nvPr/>
                     </p:nvPicPr>
                     <p:blipFill>
-                      <a:blip r:embed="rId4">
+                      <a:blip r:embed="rId5">
                         <a:extLst>
                           <a:ext uri="{28A0092B-C50C-407E-A947-70E740481C1C}">
                             <a14:useLocalDpi xmlns:a14="http://schemas.microsoft.com/office/drawing/2010/main" val="0"/>

--- a/Course-Project/shame/Car Crash Today End.pptx
+++ b/Course-Project/shame/Car Crash Today End.pptx
@@ -187,7 +187,7 @@
           <a:noFill/>
           <a:extLst>
             <a:ext uri="{909E8E84-426E-40dd-AFC4-6F175D3DCCD1}">
-              <a14:hiddenFill xmlns:a14="http://schemas.microsoft.com/office/drawing/2010/main" xmlns="">
+              <a14:hiddenFill xmlns="" xmlns:a14="http://schemas.microsoft.com/office/drawing/2010/main">
                 <a:solidFill>
                   <a:srgbClr val="FFFFFF"/>
                 </a:solidFill>
@@ -246,7 +246,7 @@
             </a:ln>
             <a:extLst>
               <a:ext uri="{91240B29-F687-4f45-9708-019B960494DF}">
-                <a14:hiddenLine xmlns:a14="http://schemas.microsoft.com/office/drawing/2010/main" xmlns="" w="9525">
+                <a14:hiddenLine xmlns="" xmlns:a14="http://schemas.microsoft.com/office/drawing/2010/main" w="9525">
                   <a:solidFill>
                     <a:srgbClr val="000000"/>
                   </a:solidFill>
@@ -336,7 +336,7 @@
             </a:ln>
             <a:extLst>
               <a:ext uri="{91240B29-F687-4f45-9708-019B960494DF}">
-                <a14:hiddenLine xmlns:a14="http://schemas.microsoft.com/office/drawing/2010/main" xmlns="" w="9525">
+                <a14:hiddenLine xmlns="" xmlns:a14="http://schemas.microsoft.com/office/drawing/2010/main" w="9525">
                   <a:solidFill>
                     <a:srgbClr val="000000"/>
                   </a:solidFill>
@@ -426,7 +426,7 @@
             </a:ln>
             <a:extLst>
               <a:ext uri="{91240B29-F687-4f45-9708-019B960494DF}">
-                <a14:hiddenLine xmlns:a14="http://schemas.microsoft.com/office/drawing/2010/main" xmlns="" w="9525">
+                <a14:hiddenLine xmlns="" xmlns:a14="http://schemas.microsoft.com/office/drawing/2010/main" w="9525">
                   <a:solidFill>
                     <a:srgbClr val="000000"/>
                   </a:solidFill>
@@ -460,7 +460,7 @@
             </a:ln>
             <a:extLst>
               <a:ext uri="{91240B29-F687-4f45-9708-019B960494DF}">
-                <a14:hiddenLine xmlns:a14="http://schemas.microsoft.com/office/drawing/2010/main" xmlns="" w="9525">
+                <a14:hiddenLine xmlns="" xmlns:a14="http://schemas.microsoft.com/office/drawing/2010/main" w="9525">
                   <a:solidFill>
                     <a:srgbClr val="000000"/>
                   </a:solidFill>
@@ -550,7 +550,7 @@
             </a:ln>
             <a:extLst>
               <a:ext uri="{91240B29-F687-4f45-9708-019B960494DF}">
-                <a14:hiddenLine xmlns:a14="http://schemas.microsoft.com/office/drawing/2010/main" xmlns="" w="9525">
+                <a14:hiddenLine xmlns="" xmlns:a14="http://schemas.microsoft.com/office/drawing/2010/main" w="9525">
                   <a:solidFill>
                     <a:srgbClr val="000000"/>
                   </a:solidFill>
@@ -612,7 +612,7 @@
             </a:ln>
             <a:extLst>
               <a:ext uri="{91240B29-F687-4f45-9708-019B960494DF}">
-                <a14:hiddenLine xmlns:a14="http://schemas.microsoft.com/office/drawing/2010/main" xmlns="" w="9525">
+                <a14:hiddenLine xmlns="" xmlns:a14="http://schemas.microsoft.com/office/drawing/2010/main" w="9525">
                   <a:solidFill>
                     <a:srgbClr val="000000"/>
                   </a:solidFill>
@@ -674,7 +674,7 @@
             </a:ln>
             <a:extLst>
               <a:ext uri="{91240B29-F687-4f45-9708-019B960494DF}">
-                <a14:hiddenLine xmlns:a14="http://schemas.microsoft.com/office/drawing/2010/main" xmlns="" w="9525">
+                <a14:hiddenLine xmlns="" xmlns:a14="http://schemas.microsoft.com/office/drawing/2010/main" w="9525">
                   <a:solidFill>
                     <a:srgbClr val="000000"/>
                   </a:solidFill>
@@ -764,7 +764,7 @@
             </a:ln>
             <a:extLst>
               <a:ext uri="{91240B29-F687-4f45-9708-019B960494DF}">
-                <a14:hiddenLine xmlns:a14="http://schemas.microsoft.com/office/drawing/2010/main" xmlns="" w="9525">
+                <a14:hiddenLine xmlns="" xmlns:a14="http://schemas.microsoft.com/office/drawing/2010/main" w="9525">
                   <a:solidFill>
                     <a:srgbClr val="000000"/>
                   </a:solidFill>
@@ -826,7 +826,7 @@
             </a:ln>
             <a:extLst>
               <a:ext uri="{91240B29-F687-4f45-9708-019B960494DF}">
-                <a14:hiddenLine xmlns:a14="http://schemas.microsoft.com/office/drawing/2010/main" xmlns="" w="9525">
+                <a14:hiddenLine xmlns="" xmlns:a14="http://schemas.microsoft.com/office/drawing/2010/main" w="9525">
                   <a:solidFill>
                     <a:srgbClr val="000000"/>
                   </a:solidFill>
@@ -888,7 +888,7 @@
             </a:ln>
             <a:extLst>
               <a:ext uri="{91240B29-F687-4f45-9708-019B960494DF}">
-                <a14:hiddenLine xmlns:a14="http://schemas.microsoft.com/office/drawing/2010/main" xmlns="" w="9525">
+                <a14:hiddenLine xmlns="" xmlns:a14="http://schemas.microsoft.com/office/drawing/2010/main" w="9525">
                   <a:solidFill>
                     <a:srgbClr val="000000"/>
                   </a:solidFill>
@@ -978,7 +978,7 @@
             </a:ln>
             <a:extLst>
               <a:ext uri="{91240B29-F687-4f45-9708-019B960494DF}">
-                <a14:hiddenLine xmlns:a14="http://schemas.microsoft.com/office/drawing/2010/main" xmlns="" w="9525">
+                <a14:hiddenLine xmlns="" xmlns:a14="http://schemas.microsoft.com/office/drawing/2010/main" w="9525">
                   <a:solidFill>
                     <a:srgbClr val="000000"/>
                   </a:solidFill>
@@ -1068,7 +1068,7 @@
             </a:ln>
             <a:extLst>
               <a:ext uri="{91240B29-F687-4f45-9708-019B960494DF}">
-                <a14:hiddenLine xmlns:a14="http://schemas.microsoft.com/office/drawing/2010/main" xmlns="" w="9525">
+                <a14:hiddenLine xmlns="" xmlns:a14="http://schemas.microsoft.com/office/drawing/2010/main" w="9525">
                   <a:solidFill>
                     <a:srgbClr val="000000"/>
                   </a:solidFill>
@@ -1130,7 +1130,7 @@
             </a:ln>
             <a:extLst>
               <a:ext uri="{91240B29-F687-4f45-9708-019B960494DF}">
-                <a14:hiddenLine xmlns:a14="http://schemas.microsoft.com/office/drawing/2010/main" xmlns="" w="9525">
+                <a14:hiddenLine xmlns="" xmlns:a14="http://schemas.microsoft.com/office/drawing/2010/main" w="9525">
                   <a:solidFill>
                     <a:srgbClr val="000000"/>
                   </a:solidFill>
@@ -1240,7 +1240,7 @@
             </a:ln>
             <a:extLst>
               <a:ext uri="{91240B29-F687-4f45-9708-019B960494DF}">
-                <a14:hiddenLine xmlns:a14="http://schemas.microsoft.com/office/drawing/2010/main" xmlns="" w="9525">
+                <a14:hiddenLine xmlns="" xmlns:a14="http://schemas.microsoft.com/office/drawing/2010/main" w="9525">
                   <a:solidFill>
                     <a:srgbClr val="000000"/>
                   </a:solidFill>
@@ -1302,7 +1302,7 @@
             </a:ln>
             <a:extLst>
               <a:ext uri="{91240B29-F687-4f45-9708-019B960494DF}">
-                <a14:hiddenLine xmlns:a14="http://schemas.microsoft.com/office/drawing/2010/main" xmlns="" w="9525">
+                <a14:hiddenLine xmlns="" xmlns:a14="http://schemas.microsoft.com/office/drawing/2010/main" w="9525">
                   <a:solidFill>
                     <a:srgbClr val="000000"/>
                   </a:solidFill>
@@ -1392,7 +1392,7 @@
             </a:ln>
             <a:extLst>
               <a:ext uri="{91240B29-F687-4f45-9708-019B960494DF}">
-                <a14:hiddenLine xmlns:a14="http://schemas.microsoft.com/office/drawing/2010/main" xmlns="" w="9525">
+                <a14:hiddenLine xmlns="" xmlns:a14="http://schemas.microsoft.com/office/drawing/2010/main" w="9525">
                   <a:solidFill>
                     <a:srgbClr val="000000"/>
                   </a:solidFill>
@@ -1482,7 +1482,7 @@
             </a:ln>
             <a:extLst>
               <a:ext uri="{91240B29-F687-4f45-9708-019B960494DF}">
-                <a14:hiddenLine xmlns:a14="http://schemas.microsoft.com/office/drawing/2010/main" xmlns="" w="9525">
+                <a14:hiddenLine xmlns="" xmlns:a14="http://schemas.microsoft.com/office/drawing/2010/main" w="9525">
                   <a:solidFill>
                     <a:srgbClr val="000000"/>
                   </a:solidFill>
@@ -1544,7 +1544,7 @@
             </a:ln>
             <a:extLst>
               <a:ext uri="{91240B29-F687-4f45-9708-019B960494DF}">
-                <a14:hiddenLine xmlns:a14="http://schemas.microsoft.com/office/drawing/2010/main" xmlns="" w="9525">
+                <a14:hiddenLine xmlns="" xmlns:a14="http://schemas.microsoft.com/office/drawing/2010/main" w="9525">
                   <a:solidFill>
                     <a:srgbClr val="000000"/>
                   </a:solidFill>
@@ -1634,7 +1634,7 @@
             </a:ln>
             <a:extLst>
               <a:ext uri="{91240B29-F687-4f45-9708-019B960494DF}">
-                <a14:hiddenLine xmlns:a14="http://schemas.microsoft.com/office/drawing/2010/main" xmlns="" w="9525">
+                <a14:hiddenLine xmlns="" xmlns:a14="http://schemas.microsoft.com/office/drawing/2010/main" w="9525">
                   <a:solidFill>
                     <a:srgbClr val="000000"/>
                   </a:solidFill>
@@ -1724,7 +1724,7 @@
             </a:ln>
             <a:extLst>
               <a:ext uri="{91240B29-F687-4f45-9708-019B960494DF}">
-                <a14:hiddenLine xmlns:a14="http://schemas.microsoft.com/office/drawing/2010/main" xmlns="" w="9525">
+                <a14:hiddenLine xmlns="" xmlns:a14="http://schemas.microsoft.com/office/drawing/2010/main" w="9525">
                   <a:solidFill>
                     <a:srgbClr val="000000"/>
                   </a:solidFill>
@@ -1780,7 +1780,7 @@
             </a:ln>
             <a:extLst>
               <a:ext uri="{91240B29-F687-4f45-9708-019B960494DF}">
-                <a14:hiddenLine xmlns:a14="http://schemas.microsoft.com/office/drawing/2010/main" xmlns="" w="9525">
+                <a14:hiddenLine xmlns="" xmlns:a14="http://schemas.microsoft.com/office/drawing/2010/main" w="9525">
                   <a:solidFill>
                     <a:srgbClr val="000000"/>
                   </a:solidFill>
@@ -1870,7 +1870,7 @@
             </a:ln>
             <a:extLst>
               <a:ext uri="{91240B29-F687-4f45-9708-019B960494DF}">
-                <a14:hiddenLine xmlns:a14="http://schemas.microsoft.com/office/drawing/2010/main" xmlns="" w="9525">
+                <a14:hiddenLine xmlns="" xmlns:a14="http://schemas.microsoft.com/office/drawing/2010/main" w="9525">
                   <a:solidFill>
                     <a:srgbClr val="000000"/>
                   </a:solidFill>
@@ -1926,7 +1926,7 @@
             </a:ln>
             <a:extLst>
               <a:ext uri="{91240B29-F687-4f45-9708-019B960494DF}">
-                <a14:hiddenLine xmlns:a14="http://schemas.microsoft.com/office/drawing/2010/main" xmlns="" w="9525">
+                <a14:hiddenLine xmlns="" xmlns:a14="http://schemas.microsoft.com/office/drawing/2010/main" w="9525">
                   <a:solidFill>
                     <a:srgbClr val="000000"/>
                   </a:solidFill>
@@ -2016,7 +2016,7 @@
             </a:ln>
             <a:extLst>
               <a:ext uri="{91240B29-F687-4f45-9708-019B960494DF}">
-                <a14:hiddenLine xmlns:a14="http://schemas.microsoft.com/office/drawing/2010/main" xmlns="" w="9525">
+                <a14:hiddenLine xmlns="" xmlns:a14="http://schemas.microsoft.com/office/drawing/2010/main" w="9525">
                   <a:solidFill>
                     <a:srgbClr val="000000"/>
                   </a:solidFill>
@@ -2084,7 +2084,7 @@
             </a:ln>
             <a:extLst>
               <a:ext uri="{91240B29-F687-4f45-9708-019B960494DF}">
-                <a14:hiddenLine xmlns:a14="http://schemas.microsoft.com/office/drawing/2010/main" xmlns="" w="9525">
+                <a14:hiddenLine xmlns="" xmlns:a14="http://schemas.microsoft.com/office/drawing/2010/main" w="9525">
                   <a:solidFill>
                     <a:srgbClr val="000000"/>
                   </a:solidFill>
@@ -2174,7 +2174,7 @@
             </a:ln>
             <a:extLst>
               <a:ext uri="{91240B29-F687-4f45-9708-019B960494DF}">
-                <a14:hiddenLine xmlns:a14="http://schemas.microsoft.com/office/drawing/2010/main" xmlns="" w="9525">
+                <a14:hiddenLine xmlns="" xmlns:a14="http://schemas.microsoft.com/office/drawing/2010/main" w="9525">
                   <a:solidFill>
                     <a:srgbClr val="000000"/>
                   </a:solidFill>
@@ -2242,7 +2242,7 @@
             </a:ln>
             <a:extLst>
               <a:ext uri="{91240B29-F687-4f45-9708-019B960494DF}">
-                <a14:hiddenLine xmlns:a14="http://schemas.microsoft.com/office/drawing/2010/main" xmlns="" w="9525">
+                <a14:hiddenLine xmlns="" xmlns:a14="http://schemas.microsoft.com/office/drawing/2010/main" w="9525">
                   <a:solidFill>
                     <a:srgbClr val="000000"/>
                   </a:solidFill>
@@ -2332,7 +2332,7 @@
             </a:ln>
             <a:extLst>
               <a:ext uri="{91240B29-F687-4f45-9708-019B960494DF}">
-                <a14:hiddenLine xmlns:a14="http://schemas.microsoft.com/office/drawing/2010/main" xmlns="" w="9525">
+                <a14:hiddenLine xmlns="" xmlns:a14="http://schemas.microsoft.com/office/drawing/2010/main" w="9525">
                   <a:solidFill>
                     <a:srgbClr val="000000"/>
                   </a:solidFill>
@@ -2366,7 +2366,7 @@
             </a:ln>
             <a:extLst>
               <a:ext uri="{91240B29-F687-4f45-9708-019B960494DF}">
-                <a14:hiddenLine xmlns:a14="http://schemas.microsoft.com/office/drawing/2010/main" xmlns="" w="9525">
+                <a14:hiddenLine xmlns="" xmlns:a14="http://schemas.microsoft.com/office/drawing/2010/main" w="9525">
                   <a:solidFill>
                     <a:srgbClr val="000000"/>
                   </a:solidFill>
@@ -2456,7 +2456,7 @@
             </a:ln>
             <a:extLst>
               <a:ext uri="{91240B29-F687-4f45-9708-019B960494DF}">
-                <a14:hiddenLine xmlns:a14="http://schemas.microsoft.com/office/drawing/2010/main" xmlns="" w="9525">
+                <a14:hiddenLine xmlns="" xmlns:a14="http://schemas.microsoft.com/office/drawing/2010/main" w="9525">
                   <a:solidFill>
                     <a:srgbClr val="000000"/>
                   </a:solidFill>
@@ -2518,7 +2518,7 @@
             </a:ln>
             <a:extLst>
               <a:ext uri="{91240B29-F687-4f45-9708-019B960494DF}">
-                <a14:hiddenLine xmlns:a14="http://schemas.microsoft.com/office/drawing/2010/main" xmlns="" w="9525">
+                <a14:hiddenLine xmlns="" xmlns:a14="http://schemas.microsoft.com/office/drawing/2010/main" w="9525">
                   <a:solidFill>
                     <a:srgbClr val="000000"/>
                   </a:solidFill>
@@ -2580,7 +2580,7 @@
             </a:ln>
             <a:extLst>
               <a:ext uri="{91240B29-F687-4f45-9708-019B960494DF}">
-                <a14:hiddenLine xmlns:a14="http://schemas.microsoft.com/office/drawing/2010/main" xmlns="" w="9525">
+                <a14:hiddenLine xmlns="" xmlns:a14="http://schemas.microsoft.com/office/drawing/2010/main" w="9525">
                   <a:solidFill>
                     <a:srgbClr val="000000"/>
                   </a:solidFill>
@@ -2670,7 +2670,7 @@
             </a:ln>
             <a:extLst>
               <a:ext uri="{91240B29-F687-4f45-9708-019B960494DF}">
-                <a14:hiddenLine xmlns:a14="http://schemas.microsoft.com/office/drawing/2010/main" xmlns="" w="9525">
+                <a14:hiddenLine xmlns="" xmlns:a14="http://schemas.microsoft.com/office/drawing/2010/main" w="9525">
                   <a:solidFill>
                     <a:srgbClr val="000000"/>
                   </a:solidFill>
@@ -2738,7 +2738,7 @@
             </a:ln>
             <a:extLst>
               <a:ext uri="{91240B29-F687-4f45-9708-019B960494DF}">
-                <a14:hiddenLine xmlns:a14="http://schemas.microsoft.com/office/drawing/2010/main" xmlns="" w="9525">
+                <a14:hiddenLine xmlns="" xmlns:a14="http://schemas.microsoft.com/office/drawing/2010/main" w="9525">
                   <a:solidFill>
                     <a:srgbClr val="000000"/>
                   </a:solidFill>
@@ -2800,7 +2800,7 @@
             </a:ln>
             <a:extLst>
               <a:ext uri="{91240B29-F687-4f45-9708-019B960494DF}">
-                <a14:hiddenLine xmlns:a14="http://schemas.microsoft.com/office/drawing/2010/main" xmlns="" w="9525">
+                <a14:hiddenLine xmlns="" xmlns:a14="http://schemas.microsoft.com/office/drawing/2010/main" w="9525">
                   <a:solidFill>
                     <a:srgbClr val="000000"/>
                   </a:solidFill>
@@ -2890,7 +2890,7 @@
             </a:ln>
             <a:extLst>
               <a:ext uri="{91240B29-F687-4f45-9708-019B960494DF}">
-                <a14:hiddenLine xmlns:a14="http://schemas.microsoft.com/office/drawing/2010/main" xmlns="" w="9525">
+                <a14:hiddenLine xmlns="" xmlns:a14="http://schemas.microsoft.com/office/drawing/2010/main" w="9525">
                   <a:solidFill>
                     <a:srgbClr val="000000"/>
                   </a:solidFill>
@@ -2952,7 +2952,7 @@
             </a:ln>
             <a:extLst>
               <a:ext uri="{91240B29-F687-4f45-9708-019B960494DF}">
-                <a14:hiddenLine xmlns:a14="http://schemas.microsoft.com/office/drawing/2010/main" xmlns="" w="9525">
+                <a14:hiddenLine xmlns="" xmlns:a14="http://schemas.microsoft.com/office/drawing/2010/main" w="9525">
                   <a:solidFill>
                     <a:srgbClr val="000000"/>
                   </a:solidFill>
@@ -3042,7 +3042,7 @@
             </a:ln>
             <a:extLst>
               <a:ext uri="{91240B29-F687-4f45-9708-019B960494DF}">
-                <a14:hiddenLine xmlns:a14="http://schemas.microsoft.com/office/drawing/2010/main" xmlns="" w="9525">
+                <a14:hiddenLine xmlns="" xmlns:a14="http://schemas.microsoft.com/office/drawing/2010/main" w="9525">
                   <a:solidFill>
                     <a:srgbClr val="000000"/>
                   </a:solidFill>
@@ -3104,7 +3104,7 @@
             </a:ln>
             <a:extLst>
               <a:ext uri="{91240B29-F687-4f45-9708-019B960494DF}">
-                <a14:hiddenLine xmlns:a14="http://schemas.microsoft.com/office/drawing/2010/main" xmlns="" w="9525">
+                <a14:hiddenLine xmlns="" xmlns:a14="http://schemas.microsoft.com/office/drawing/2010/main" w="9525">
                   <a:solidFill>
                     <a:srgbClr val="000000"/>
                   </a:solidFill>
@@ -3194,7 +3194,7 @@
             </a:ln>
             <a:extLst>
               <a:ext uri="{91240B29-F687-4f45-9708-019B960494DF}">
-                <a14:hiddenLine xmlns:a14="http://schemas.microsoft.com/office/drawing/2010/main" xmlns="" w="9525">
+                <a14:hiddenLine xmlns="" xmlns:a14="http://schemas.microsoft.com/office/drawing/2010/main" w="9525">
                   <a:solidFill>
                     <a:srgbClr val="000000"/>
                   </a:solidFill>
@@ -3228,7 +3228,7 @@
             </a:ln>
             <a:extLst>
               <a:ext uri="{91240B29-F687-4f45-9708-019B960494DF}">
-                <a14:hiddenLine xmlns:a14="http://schemas.microsoft.com/office/drawing/2010/main" xmlns="" w="9525">
+                <a14:hiddenLine xmlns="" xmlns:a14="http://schemas.microsoft.com/office/drawing/2010/main" w="9525">
                   <a:solidFill>
                     <a:srgbClr val="000000"/>
                   </a:solidFill>
@@ -3293,7 +3293,7 @@
             </a:ln>
             <a:extLst>
               <a:ext uri="{91240B29-F687-4f45-9708-019B960494DF}">
-                <a14:hiddenLine xmlns:a14="http://schemas.microsoft.com/office/drawing/2010/main" xmlns="" w="9525">
+                <a14:hiddenLine xmlns="" xmlns:a14="http://schemas.microsoft.com/office/drawing/2010/main" w="9525">
                   <a:solidFill>
                     <a:srgbClr val="000000"/>
                   </a:solidFill>
@@ -3383,7 +3383,7 @@
             </a:ln>
             <a:extLst>
               <a:ext uri="{91240B29-F687-4f45-9708-019B960494DF}">
-                <a14:hiddenLine xmlns:a14="http://schemas.microsoft.com/office/drawing/2010/main" xmlns="" w="9525">
+                <a14:hiddenLine xmlns="" xmlns:a14="http://schemas.microsoft.com/office/drawing/2010/main" w="9525">
                   <a:solidFill>
                     <a:srgbClr val="000000"/>
                   </a:solidFill>
@@ -3445,7 +3445,7 @@
             </a:ln>
             <a:extLst>
               <a:ext uri="{91240B29-F687-4f45-9708-019B960494DF}">
-                <a14:hiddenLine xmlns:a14="http://schemas.microsoft.com/office/drawing/2010/main" xmlns="" w="9525">
+                <a14:hiddenLine xmlns="" xmlns:a14="http://schemas.microsoft.com/office/drawing/2010/main" w="9525">
                   <a:solidFill>
                     <a:srgbClr val="000000"/>
                   </a:solidFill>
@@ -3535,7 +3535,7 @@
             </a:ln>
             <a:extLst>
               <a:ext uri="{91240B29-F687-4f45-9708-019B960494DF}">
-                <a14:hiddenLine xmlns:a14="http://schemas.microsoft.com/office/drawing/2010/main" xmlns="" w="9525">
+                <a14:hiddenLine xmlns="" xmlns:a14="http://schemas.microsoft.com/office/drawing/2010/main" w="9525">
                   <a:solidFill>
                     <a:srgbClr val="000000"/>
                   </a:solidFill>
@@ -3625,7 +3625,7 @@
             </a:ln>
             <a:extLst>
               <a:ext uri="{91240B29-F687-4f45-9708-019B960494DF}">
-                <a14:hiddenLine xmlns:a14="http://schemas.microsoft.com/office/drawing/2010/main" xmlns="" w="9525">
+                <a14:hiddenLine xmlns="" xmlns:a14="http://schemas.microsoft.com/office/drawing/2010/main" w="9525">
                   <a:solidFill>
                     <a:srgbClr val="000000"/>
                   </a:solidFill>
@@ -3690,7 +3690,7 @@
             </a:ln>
             <a:extLst>
               <a:ext uri="{91240B29-F687-4f45-9708-019B960494DF}">
-                <a14:hiddenLine xmlns:a14="http://schemas.microsoft.com/office/drawing/2010/main" xmlns="" w="9525">
+                <a14:hiddenLine xmlns="" xmlns:a14="http://schemas.microsoft.com/office/drawing/2010/main" w="9525">
                   <a:solidFill>
                     <a:srgbClr val="000000"/>
                   </a:solidFill>
@@ -3752,7 +3752,7 @@
             </a:ln>
             <a:extLst>
               <a:ext uri="{91240B29-F687-4f45-9708-019B960494DF}">
-                <a14:hiddenLine xmlns:a14="http://schemas.microsoft.com/office/drawing/2010/main" xmlns="" w="9525">
+                <a14:hiddenLine xmlns="" xmlns:a14="http://schemas.microsoft.com/office/drawing/2010/main" w="9525">
                   <a:solidFill>
                     <a:srgbClr val="000000"/>
                   </a:solidFill>
@@ -3842,7 +3842,7 @@
             </a:ln>
             <a:extLst>
               <a:ext uri="{91240B29-F687-4f45-9708-019B960494DF}">
-                <a14:hiddenLine xmlns:a14="http://schemas.microsoft.com/office/drawing/2010/main" xmlns="" w="9525">
+                <a14:hiddenLine xmlns="" xmlns:a14="http://schemas.microsoft.com/office/drawing/2010/main" w="9525">
                   <a:solidFill>
                     <a:srgbClr val="000000"/>
                   </a:solidFill>
@@ -3932,7 +3932,7 @@
             </a:ln>
             <a:extLst>
               <a:ext uri="{91240B29-F687-4f45-9708-019B960494DF}">
-                <a14:hiddenLine xmlns:a14="http://schemas.microsoft.com/office/drawing/2010/main" xmlns="" w="9525">
+                <a14:hiddenLine xmlns="" xmlns:a14="http://schemas.microsoft.com/office/drawing/2010/main" w="9525">
                   <a:solidFill>
                     <a:srgbClr val="000000"/>
                   </a:solidFill>
@@ -3994,7 +3994,7 @@
             </a:ln>
             <a:extLst>
               <a:ext uri="{91240B29-F687-4f45-9708-019B960494DF}">
-                <a14:hiddenLine xmlns:a14="http://schemas.microsoft.com/office/drawing/2010/main" xmlns="" w="9525">
+                <a14:hiddenLine xmlns="" xmlns:a14="http://schemas.microsoft.com/office/drawing/2010/main" w="9525">
                   <a:solidFill>
                     <a:srgbClr val="000000"/>
                   </a:solidFill>
@@ -4114,7 +4114,7 @@
             </a:ln>
             <a:extLst>
               <a:ext uri="{91240B29-F687-4f45-9708-019B960494DF}">
-                <a14:hiddenLine xmlns:a14="http://schemas.microsoft.com/office/drawing/2010/main" xmlns="" w="9525">
+                <a14:hiddenLine xmlns="" xmlns:a14="http://schemas.microsoft.com/office/drawing/2010/main" w="9525">
                   <a:solidFill>
                     <a:srgbClr val="000000"/>
                   </a:solidFill>
@@ -4182,7 +4182,7 @@
             </a:ln>
             <a:extLst>
               <a:ext uri="{91240B29-F687-4f45-9708-019B960494DF}">
-                <a14:hiddenLine xmlns:a14="http://schemas.microsoft.com/office/drawing/2010/main" xmlns="" w="9525">
+                <a14:hiddenLine xmlns="" xmlns:a14="http://schemas.microsoft.com/office/drawing/2010/main" w="9525">
                   <a:solidFill>
                     <a:srgbClr val="000000"/>
                   </a:solidFill>
@@ -4272,7 +4272,7 @@
             </a:ln>
             <a:extLst>
               <a:ext uri="{91240B29-F687-4f45-9708-019B960494DF}">
-                <a14:hiddenLine xmlns:a14="http://schemas.microsoft.com/office/drawing/2010/main" xmlns="" w="9525">
+                <a14:hiddenLine xmlns="" xmlns:a14="http://schemas.microsoft.com/office/drawing/2010/main" w="9525">
                   <a:solidFill>
                     <a:srgbClr val="000000"/>
                   </a:solidFill>
@@ -4412,7 +4412,7 @@
           <a:p>
             <a:fld id="{48A87A34-81AB-432B-8DAE-1953F412C126}" type="datetimeFigureOut">
               <a:rPr lang="en-US" dirty="0"/>
-              <a:t>12/9/2018</a:t>
+              <a:t>12/10/2018</a:t>
             </a:fld>
             <a:endParaRPr lang="en-US" dirty="0"/>
           </a:p>
@@ -4674,7 +4674,7 @@
           <a:p>
             <a:fld id="{48A87A34-81AB-432B-8DAE-1953F412C126}" type="datetimeFigureOut">
               <a:rPr lang="en-US" dirty="0"/>
-              <a:t>12/9/2018</a:t>
+              <a:t>12/10/2018</a:t>
             </a:fld>
             <a:endParaRPr lang="en-US" dirty="0"/>
           </a:p>
@@ -4865,7 +4865,7 @@
           <a:p>
             <a:fld id="{48A87A34-81AB-432B-8DAE-1953F412C126}" type="datetimeFigureOut">
               <a:rPr lang="en-US" dirty="0"/>
-              <a:t>12/9/2018</a:t>
+              <a:t>12/10/2018</a:t>
             </a:fld>
             <a:endParaRPr lang="en-US" dirty="0"/>
           </a:p>
@@ -5123,7 +5123,7 @@
           <a:p>
             <a:fld id="{48A87A34-81AB-432B-8DAE-1953F412C126}" type="datetimeFigureOut">
               <a:rPr lang="en-US" dirty="0"/>
-              <a:t>12/9/2018</a:t>
+              <a:t>12/10/2018</a:t>
             </a:fld>
             <a:endParaRPr lang="en-US" dirty="0"/>
           </a:p>
@@ -5552,7 +5552,7 @@
           <a:p>
             <a:fld id="{48A87A34-81AB-432B-8DAE-1953F412C126}" type="datetimeFigureOut">
               <a:rPr lang="en-US" dirty="0"/>
-              <a:t>12/9/2018</a:t>
+              <a:t>12/10/2018</a:t>
             </a:fld>
             <a:endParaRPr lang="en-US" dirty="0"/>
           </a:p>
@@ -6093,7 +6093,7 @@
           <a:p>
             <a:fld id="{48A87A34-81AB-432B-8DAE-1953F412C126}" type="datetimeFigureOut">
               <a:rPr lang="en-US" dirty="0"/>
-              <a:t>12/9/2018</a:t>
+              <a:t>12/10/2018</a:t>
             </a:fld>
             <a:endParaRPr lang="en-US" dirty="0"/>
           </a:p>
@@ -6808,7 +6808,7 @@
           <a:p>
             <a:fld id="{48A87A34-81AB-432B-8DAE-1953F412C126}" type="datetimeFigureOut">
               <a:rPr lang="en-US" dirty="0"/>
-              <a:t>12/9/2018</a:t>
+              <a:t>12/10/2018</a:t>
             </a:fld>
             <a:endParaRPr lang="en-US" dirty="0"/>
           </a:p>
@@ -6973,7 +6973,7 @@
           <a:p>
             <a:fld id="{48A87A34-81AB-432B-8DAE-1953F412C126}" type="datetimeFigureOut">
               <a:rPr lang="en-US" dirty="0"/>
-              <a:t>12/9/2018</a:t>
+              <a:t>12/10/2018</a:t>
             </a:fld>
             <a:endParaRPr lang="en-US" dirty="0"/>
           </a:p>
@@ -7148,7 +7148,7 @@
           <a:p>
             <a:fld id="{48A87A34-81AB-432B-8DAE-1953F412C126}" type="datetimeFigureOut">
               <a:rPr lang="en-US" dirty="0"/>
-              <a:t>12/9/2018</a:t>
+              <a:t>12/10/2018</a:t>
             </a:fld>
             <a:endParaRPr lang="en-US" dirty="0"/>
           </a:p>
@@ -7313,7 +7313,7 @@
           <a:p>
             <a:fld id="{48A87A34-81AB-432B-8DAE-1953F412C126}" type="datetimeFigureOut">
               <a:rPr lang="en-US" dirty="0"/>
-              <a:t>12/9/2018</a:t>
+              <a:t>12/10/2018</a:t>
             </a:fld>
             <a:endParaRPr lang="en-US" dirty="0"/>
           </a:p>
@@ -7558,7 +7558,7 @@
           <a:p>
             <a:fld id="{48A87A34-81AB-432B-8DAE-1953F412C126}" type="datetimeFigureOut">
               <a:rPr lang="en-US" dirty="0"/>
-              <a:t>12/9/2018</a:t>
+              <a:t>12/10/2018</a:t>
             </a:fld>
             <a:endParaRPr lang="en-US" dirty="0"/>
           </a:p>
@@ -7785,7 +7785,7 @@
           <a:p>
             <a:fld id="{48A87A34-81AB-432B-8DAE-1953F412C126}" type="datetimeFigureOut">
               <a:rPr lang="en-US" dirty="0"/>
-              <a:t>12/9/2018</a:t>
+              <a:t>12/10/2018</a:t>
             </a:fld>
             <a:endParaRPr lang="en-US" dirty="0"/>
           </a:p>
@@ -8161,7 +8161,7 @@
           <a:p>
             <a:fld id="{48A87A34-81AB-432B-8DAE-1953F412C126}" type="datetimeFigureOut">
               <a:rPr lang="en-US" dirty="0"/>
-              <a:t>12/9/2018</a:t>
+              <a:t>12/10/2018</a:t>
             </a:fld>
             <a:endParaRPr lang="en-US" dirty="0"/>
           </a:p>
@@ -8274,7 +8274,7 @@
           <a:p>
             <a:fld id="{48A87A34-81AB-432B-8DAE-1953F412C126}" type="datetimeFigureOut">
               <a:rPr lang="en-US" dirty="0"/>
-              <a:t>12/9/2018</a:t>
+              <a:t>12/10/2018</a:t>
             </a:fld>
             <a:endParaRPr lang="en-US" dirty="0"/>
           </a:p>
@@ -8364,7 +8364,7 @@
           <a:p>
             <a:fld id="{48A87A34-81AB-432B-8DAE-1953F412C126}" type="datetimeFigureOut">
               <a:rPr lang="en-US" dirty="0"/>
-              <a:t>12/9/2018</a:t>
+              <a:t>12/10/2018</a:t>
             </a:fld>
             <a:endParaRPr lang="en-US" dirty="0"/>
           </a:p>
@@ -8608,7 +8608,7 @@
           <a:p>
             <a:fld id="{48A87A34-81AB-432B-8DAE-1953F412C126}" type="datetimeFigureOut">
               <a:rPr lang="en-US" dirty="0"/>
-              <a:t>12/9/2018</a:t>
+              <a:t>12/10/2018</a:t>
             </a:fld>
             <a:endParaRPr lang="en-US" dirty="0"/>
           </a:p>
@@ -8883,7 +8883,7 @@
           <a:p>
             <a:fld id="{48A87A34-81AB-432B-8DAE-1953F412C126}" type="datetimeFigureOut">
               <a:rPr lang="en-US" dirty="0"/>
-              <a:t>12/9/2018</a:t>
+              <a:t>12/10/2018</a:t>
             </a:fld>
             <a:endParaRPr lang="en-US" dirty="0"/>
           </a:p>
@@ -9001,7 +9001,7 @@
           <a:noFill/>
           <a:extLst>
             <a:ext uri="{909E8E84-426E-40dd-AFC4-6F175D3DCCD1}">
-              <a14:hiddenFill xmlns:a14="http://schemas.microsoft.com/office/drawing/2010/main" xmlns="">
+              <a14:hiddenFill xmlns="" xmlns:a14="http://schemas.microsoft.com/office/drawing/2010/main">
                 <a:solidFill>
                   <a:srgbClr val="FFFFFF"/>
                 </a:solidFill>
@@ -9075,7 +9075,7 @@
               </a:ln>
               <a:extLst>
                 <a:ext uri="{91240B29-F687-4f45-9708-019B960494DF}">
-                  <a14:hiddenLine xmlns:a14="http://schemas.microsoft.com/office/drawing/2010/main" xmlns="" w="9525">
+                  <a14:hiddenLine xmlns="" xmlns:a14="http://schemas.microsoft.com/office/drawing/2010/main" w="9525">
                     <a:solidFill>
                       <a:srgbClr val="000000"/>
                     </a:solidFill>
@@ -9165,7 +9165,7 @@
               </a:ln>
               <a:extLst>
                 <a:ext uri="{91240B29-F687-4f45-9708-019B960494DF}">
-                  <a14:hiddenLine xmlns:a14="http://schemas.microsoft.com/office/drawing/2010/main" xmlns="" w="9525">
+                  <a14:hiddenLine xmlns="" xmlns:a14="http://schemas.microsoft.com/office/drawing/2010/main" w="9525">
                     <a:solidFill>
                       <a:srgbClr val="000000"/>
                     </a:solidFill>
@@ -9255,7 +9255,7 @@
               </a:ln>
               <a:extLst>
                 <a:ext uri="{91240B29-F687-4f45-9708-019B960494DF}">
-                  <a14:hiddenLine xmlns:a14="http://schemas.microsoft.com/office/drawing/2010/main" xmlns="" w="9525">
+                  <a14:hiddenLine xmlns="" xmlns:a14="http://schemas.microsoft.com/office/drawing/2010/main" w="9525">
                     <a:solidFill>
                       <a:srgbClr val="000000"/>
                     </a:solidFill>
@@ -9317,7 +9317,7 @@
               </a:ln>
               <a:extLst>
                 <a:ext uri="{91240B29-F687-4f45-9708-019B960494DF}">
-                  <a14:hiddenLine xmlns:a14="http://schemas.microsoft.com/office/drawing/2010/main" xmlns="" w="9525">
+                  <a14:hiddenLine xmlns="" xmlns:a14="http://schemas.microsoft.com/office/drawing/2010/main" w="9525">
                     <a:solidFill>
                       <a:srgbClr val="000000"/>
                     </a:solidFill>
@@ -9407,7 +9407,7 @@
               </a:ln>
               <a:extLst>
                 <a:ext uri="{91240B29-F687-4f45-9708-019B960494DF}">
-                  <a14:hiddenLine xmlns:a14="http://schemas.microsoft.com/office/drawing/2010/main" xmlns="" w="9525">
+                  <a14:hiddenLine xmlns="" xmlns:a14="http://schemas.microsoft.com/office/drawing/2010/main" w="9525">
                     <a:solidFill>
                       <a:srgbClr val="000000"/>
                     </a:solidFill>
@@ -9469,7 +9469,7 @@
               </a:ln>
               <a:extLst>
                 <a:ext uri="{91240B29-F687-4f45-9708-019B960494DF}">
-                  <a14:hiddenLine xmlns:a14="http://schemas.microsoft.com/office/drawing/2010/main" xmlns="" w="9525">
+                  <a14:hiddenLine xmlns="" xmlns:a14="http://schemas.microsoft.com/office/drawing/2010/main" w="9525">
                     <a:solidFill>
                       <a:srgbClr val="000000"/>
                     </a:solidFill>
@@ -9531,7 +9531,7 @@
               </a:ln>
               <a:extLst>
                 <a:ext uri="{91240B29-F687-4f45-9708-019B960494DF}">
-                  <a14:hiddenLine xmlns:a14="http://schemas.microsoft.com/office/drawing/2010/main" xmlns="" w="9525">
+                  <a14:hiddenLine xmlns="" xmlns:a14="http://schemas.microsoft.com/office/drawing/2010/main" w="9525">
                     <a:solidFill>
                       <a:srgbClr val="000000"/>
                     </a:solidFill>
@@ -9621,7 +9621,7 @@
               </a:ln>
               <a:extLst>
                 <a:ext uri="{91240B29-F687-4f45-9708-019B960494DF}">
-                  <a14:hiddenLine xmlns:a14="http://schemas.microsoft.com/office/drawing/2010/main" xmlns="" w="9525">
+                  <a14:hiddenLine xmlns="" xmlns:a14="http://schemas.microsoft.com/office/drawing/2010/main" w="9525">
                     <a:solidFill>
                       <a:srgbClr val="000000"/>
                     </a:solidFill>
@@ -9711,7 +9711,7 @@
               </a:ln>
               <a:extLst>
                 <a:ext uri="{91240B29-F687-4f45-9708-019B960494DF}">
-                  <a14:hiddenLine xmlns:a14="http://schemas.microsoft.com/office/drawing/2010/main" xmlns="" w="9525">
+                  <a14:hiddenLine xmlns="" xmlns:a14="http://schemas.microsoft.com/office/drawing/2010/main" w="9525">
                     <a:solidFill>
                       <a:srgbClr val="000000"/>
                     </a:solidFill>
@@ -9773,7 +9773,7 @@
               </a:ln>
               <a:extLst>
                 <a:ext uri="{91240B29-F687-4f45-9708-019B960494DF}">
-                  <a14:hiddenLine xmlns:a14="http://schemas.microsoft.com/office/drawing/2010/main" xmlns="" w="9525">
+                  <a14:hiddenLine xmlns="" xmlns:a14="http://schemas.microsoft.com/office/drawing/2010/main" w="9525">
                     <a:solidFill>
                       <a:srgbClr val="000000"/>
                     </a:solidFill>
@@ -9883,7 +9883,7 @@
               </a:ln>
               <a:extLst>
                 <a:ext uri="{91240B29-F687-4f45-9708-019B960494DF}">
-                  <a14:hiddenLine xmlns:a14="http://schemas.microsoft.com/office/drawing/2010/main" xmlns="" w="9525">
+                  <a14:hiddenLine xmlns="" xmlns:a14="http://schemas.microsoft.com/office/drawing/2010/main" w="9525">
                     <a:solidFill>
                       <a:srgbClr val="000000"/>
                     </a:solidFill>
@@ -9967,7 +9967,7 @@
               </a:ln>
               <a:extLst>
                 <a:ext uri="{91240B29-F687-4f45-9708-019B960494DF}">
-                  <a14:hiddenLine xmlns:a14="http://schemas.microsoft.com/office/drawing/2010/main" xmlns="" w="9525">
+                  <a14:hiddenLine xmlns="" xmlns:a14="http://schemas.microsoft.com/office/drawing/2010/main" w="9525">
                     <a:solidFill>
                       <a:srgbClr val="000000"/>
                     </a:solidFill>
@@ -10029,7 +10029,7 @@
               </a:ln>
               <a:extLst>
                 <a:ext uri="{91240B29-F687-4f45-9708-019B960494DF}">
-                  <a14:hiddenLine xmlns:a14="http://schemas.microsoft.com/office/drawing/2010/main" xmlns="" w="9525">
+                  <a14:hiddenLine xmlns="" xmlns:a14="http://schemas.microsoft.com/office/drawing/2010/main" w="9525">
                     <a:solidFill>
                       <a:srgbClr val="000000"/>
                     </a:solidFill>
@@ -10091,7 +10091,7 @@
               </a:ln>
               <a:extLst>
                 <a:ext uri="{91240B29-F687-4f45-9708-019B960494DF}">
-                  <a14:hiddenLine xmlns:a14="http://schemas.microsoft.com/office/drawing/2010/main" xmlns="" w="9525">
+                  <a14:hiddenLine xmlns="" xmlns:a14="http://schemas.microsoft.com/office/drawing/2010/main" w="9525">
                     <a:solidFill>
                       <a:srgbClr val="000000"/>
                     </a:solidFill>
@@ -10181,7 +10181,7 @@
               </a:ln>
               <a:extLst>
                 <a:ext uri="{91240B29-F687-4f45-9708-019B960494DF}">
-                  <a14:hiddenLine xmlns:a14="http://schemas.microsoft.com/office/drawing/2010/main" xmlns="" w="9525">
+                  <a14:hiddenLine xmlns="" xmlns:a14="http://schemas.microsoft.com/office/drawing/2010/main" w="9525">
                     <a:solidFill>
                       <a:srgbClr val="000000"/>
                     </a:solidFill>
@@ -10215,7 +10215,7 @@
               </a:ln>
               <a:extLst>
                 <a:ext uri="{91240B29-F687-4f45-9708-019B960494DF}">
-                  <a14:hiddenLine xmlns:a14="http://schemas.microsoft.com/office/drawing/2010/main" xmlns="" w="9525">
+                  <a14:hiddenLine xmlns="" xmlns:a14="http://schemas.microsoft.com/office/drawing/2010/main" w="9525">
                     <a:solidFill>
                       <a:srgbClr val="000000"/>
                     </a:solidFill>
@@ -10280,7 +10280,7 @@
               </a:ln>
               <a:extLst>
                 <a:ext uri="{91240B29-F687-4f45-9708-019B960494DF}">
-                  <a14:hiddenLine xmlns:a14="http://schemas.microsoft.com/office/drawing/2010/main" xmlns="" w="9525">
+                  <a14:hiddenLine xmlns="" xmlns:a14="http://schemas.microsoft.com/office/drawing/2010/main" w="9525">
                     <a:solidFill>
                       <a:srgbClr val="000000"/>
                     </a:solidFill>
@@ -10370,7 +10370,7 @@
               </a:ln>
               <a:extLst>
                 <a:ext uri="{91240B29-F687-4f45-9708-019B960494DF}">
-                  <a14:hiddenLine xmlns:a14="http://schemas.microsoft.com/office/drawing/2010/main" xmlns="" w="9525">
+                  <a14:hiddenLine xmlns="" xmlns:a14="http://schemas.microsoft.com/office/drawing/2010/main" w="9525">
                     <a:solidFill>
                       <a:srgbClr val="000000"/>
                     </a:solidFill>
@@ -10432,7 +10432,7 @@
               </a:ln>
               <a:extLst>
                 <a:ext uri="{91240B29-F687-4f45-9708-019B960494DF}">
-                  <a14:hiddenLine xmlns:a14="http://schemas.microsoft.com/office/drawing/2010/main" xmlns="" w="9525">
+                  <a14:hiddenLine xmlns="" xmlns:a14="http://schemas.microsoft.com/office/drawing/2010/main" w="9525">
                     <a:solidFill>
                       <a:srgbClr val="000000"/>
                     </a:solidFill>
@@ -10522,7 +10522,7 @@
               </a:ln>
               <a:extLst>
                 <a:ext uri="{91240B29-F687-4f45-9708-019B960494DF}">
-                  <a14:hiddenLine xmlns:a14="http://schemas.microsoft.com/office/drawing/2010/main" xmlns="" w="9525">
+                  <a14:hiddenLine xmlns="" xmlns:a14="http://schemas.microsoft.com/office/drawing/2010/main" w="9525">
                     <a:solidFill>
                       <a:srgbClr val="000000"/>
                     </a:solidFill>
@@ -10587,7 +10587,7 @@
               </a:ln>
               <a:extLst>
                 <a:ext uri="{91240B29-F687-4f45-9708-019B960494DF}">
-                  <a14:hiddenLine xmlns:a14="http://schemas.microsoft.com/office/drawing/2010/main" xmlns="" w="9525">
+                  <a14:hiddenLine xmlns="" xmlns:a14="http://schemas.microsoft.com/office/drawing/2010/main" w="9525">
                     <a:solidFill>
                       <a:srgbClr val="000000"/>
                     </a:solidFill>
@@ -10649,7 +10649,7 @@
               </a:ln>
               <a:extLst>
                 <a:ext uri="{91240B29-F687-4f45-9708-019B960494DF}">
-                  <a14:hiddenLine xmlns:a14="http://schemas.microsoft.com/office/drawing/2010/main" xmlns="" w="9525">
+                  <a14:hiddenLine xmlns="" xmlns:a14="http://schemas.microsoft.com/office/drawing/2010/main" w="9525">
                     <a:solidFill>
                       <a:srgbClr val="000000"/>
                     </a:solidFill>
@@ -10739,7 +10739,7 @@
               </a:ln>
               <a:extLst>
                 <a:ext uri="{91240B29-F687-4f45-9708-019B960494DF}">
-                  <a14:hiddenLine xmlns:a14="http://schemas.microsoft.com/office/drawing/2010/main" xmlns="" w="9525">
+                  <a14:hiddenLine xmlns="" xmlns:a14="http://schemas.microsoft.com/office/drawing/2010/main" w="9525">
                     <a:solidFill>
                       <a:srgbClr val="000000"/>
                     </a:solidFill>
@@ -10829,7 +10829,7 @@
               </a:ln>
               <a:extLst>
                 <a:ext uri="{91240B29-F687-4f45-9708-019B960494DF}">
-                  <a14:hiddenLine xmlns:a14="http://schemas.microsoft.com/office/drawing/2010/main" xmlns="" w="9525">
+                  <a14:hiddenLine xmlns="" xmlns:a14="http://schemas.microsoft.com/office/drawing/2010/main" w="9525">
                     <a:solidFill>
                       <a:srgbClr val="000000"/>
                     </a:solidFill>
@@ -10894,7 +10894,7 @@
               </a:ln>
               <a:extLst>
                 <a:ext uri="{91240B29-F687-4f45-9708-019B960494DF}">
-                  <a14:hiddenLine xmlns:a14="http://schemas.microsoft.com/office/drawing/2010/main" xmlns="" w="9525">
+                  <a14:hiddenLine xmlns="" xmlns:a14="http://schemas.microsoft.com/office/drawing/2010/main" w="9525">
                     <a:solidFill>
                       <a:srgbClr val="000000"/>
                     </a:solidFill>
@@ -11014,7 +11014,7 @@
               </a:ln>
               <a:extLst>
                 <a:ext uri="{91240B29-F687-4f45-9708-019B960494DF}">
-                  <a14:hiddenLine xmlns:a14="http://schemas.microsoft.com/office/drawing/2010/main" xmlns="" w="9525">
+                  <a14:hiddenLine xmlns="" xmlns:a14="http://schemas.microsoft.com/office/drawing/2010/main" w="9525">
                     <a:solidFill>
                       <a:srgbClr val="000000"/>
                     </a:solidFill>
@@ -11095,7 +11095,7 @@
               </a:ln>
               <a:extLst>
                 <a:ext uri="{91240B29-F687-4f45-9708-019B960494DF}">
-                  <a14:hiddenLine xmlns:a14="http://schemas.microsoft.com/office/drawing/2010/main" xmlns="" w="9525">
+                  <a14:hiddenLine xmlns="" xmlns:a14="http://schemas.microsoft.com/office/drawing/2010/main" w="9525">
                     <a:solidFill>
                       <a:srgbClr val="000000"/>
                     </a:solidFill>
@@ -11210,7 +11210,7 @@
               </a:ln>
               <a:extLst>
                 <a:ext uri="{91240B29-F687-4f45-9708-019B960494DF}">
-                  <a14:hiddenLine xmlns:a14="http://schemas.microsoft.com/office/drawing/2010/main" xmlns="" w="9525">
+                  <a14:hiddenLine xmlns="" xmlns:a14="http://schemas.microsoft.com/office/drawing/2010/main" w="9525">
                     <a:solidFill>
                       <a:srgbClr val="000000"/>
                     </a:solidFill>
@@ -11300,7 +11300,7 @@
               </a:ln>
               <a:extLst>
                 <a:ext uri="{91240B29-F687-4f45-9708-019B960494DF}">
-                  <a14:hiddenLine xmlns:a14="http://schemas.microsoft.com/office/drawing/2010/main" xmlns="" w="9525">
+                  <a14:hiddenLine xmlns="" xmlns:a14="http://schemas.microsoft.com/office/drawing/2010/main" w="9525">
                     <a:solidFill>
                       <a:srgbClr val="000000"/>
                     </a:solidFill>
@@ -11365,7 +11365,7 @@
               </a:ln>
               <a:extLst>
                 <a:ext uri="{91240B29-F687-4f45-9708-019B960494DF}">
-                  <a14:hiddenLine xmlns:a14="http://schemas.microsoft.com/office/drawing/2010/main" xmlns="" w="9525">
+                  <a14:hiddenLine xmlns="" xmlns:a14="http://schemas.microsoft.com/office/drawing/2010/main" w="9525">
                     <a:solidFill>
                       <a:srgbClr val="000000"/>
                     </a:solidFill>
@@ -11455,7 +11455,7 @@
               </a:ln>
               <a:extLst>
                 <a:ext uri="{91240B29-F687-4f45-9708-019B960494DF}">
-                  <a14:hiddenLine xmlns:a14="http://schemas.microsoft.com/office/drawing/2010/main" xmlns="" w="9525">
+                  <a14:hiddenLine xmlns="" xmlns:a14="http://schemas.microsoft.com/office/drawing/2010/main" w="9525">
                     <a:solidFill>
                       <a:srgbClr val="000000"/>
                     </a:solidFill>
@@ -11523,7 +11523,7 @@
               </a:ln>
               <a:extLst>
                 <a:ext uri="{91240B29-F687-4f45-9708-019B960494DF}">
-                  <a14:hiddenLine xmlns:a14="http://schemas.microsoft.com/office/drawing/2010/main" xmlns="" w="9525">
+                  <a14:hiddenLine xmlns="" xmlns:a14="http://schemas.microsoft.com/office/drawing/2010/main" w="9525">
                     <a:solidFill>
                       <a:srgbClr val="000000"/>
                     </a:solidFill>
@@ -11613,7 +11613,7 @@
               </a:ln>
               <a:extLst>
                 <a:ext uri="{91240B29-F687-4f45-9708-019B960494DF}">
-                  <a14:hiddenLine xmlns:a14="http://schemas.microsoft.com/office/drawing/2010/main" xmlns="" w="9525">
+                  <a14:hiddenLine xmlns="" xmlns:a14="http://schemas.microsoft.com/office/drawing/2010/main" w="9525">
                     <a:solidFill>
                       <a:srgbClr val="000000"/>
                     </a:solidFill>
@@ -11681,7 +11681,7 @@
               </a:ln>
               <a:extLst>
                 <a:ext uri="{91240B29-F687-4f45-9708-019B960494DF}">
-                  <a14:hiddenLine xmlns:a14="http://schemas.microsoft.com/office/drawing/2010/main" xmlns="" w="9525">
+                  <a14:hiddenLine xmlns="" xmlns:a14="http://schemas.microsoft.com/office/drawing/2010/main" w="9525">
                     <a:solidFill>
                       <a:srgbClr val="000000"/>
                     </a:solidFill>
@@ -11771,7 +11771,7 @@
               </a:ln>
               <a:extLst>
                 <a:ext uri="{91240B29-F687-4f45-9708-019B960494DF}">
-                  <a14:hiddenLine xmlns:a14="http://schemas.microsoft.com/office/drawing/2010/main" xmlns="" w="9525">
+                  <a14:hiddenLine xmlns="" xmlns:a14="http://schemas.microsoft.com/office/drawing/2010/main" w="9525">
                     <a:solidFill>
                       <a:srgbClr val="000000"/>
                     </a:solidFill>
@@ -11805,7 +11805,7 @@
               </a:ln>
               <a:extLst>
                 <a:ext uri="{91240B29-F687-4f45-9708-019B960494DF}">
-                  <a14:hiddenLine xmlns:a14="http://schemas.microsoft.com/office/drawing/2010/main" xmlns="" w="9525">
+                  <a14:hiddenLine xmlns="" xmlns:a14="http://schemas.microsoft.com/office/drawing/2010/main" w="9525">
                     <a:solidFill>
                       <a:srgbClr val="000000"/>
                     </a:solidFill>
@@ -11946,7 +11946,7 @@
             <a:fld id="{48A87A34-81AB-432B-8DAE-1953F412C126}" type="datetimeFigureOut">
               <a:rPr lang="en-US" dirty="0"/>
               <a:pPr/>
-              <a:t>12/9/2018</a:t>
+              <a:t>12/10/2018</a:t>
             </a:fld>
             <a:endParaRPr lang="en-US" dirty="0"/>
           </a:p>
@@ -13096,7 +13096,7 @@
           <a:graphicData uri="http://schemas.openxmlformats.org/presentationml/2006/ole">
             <mc:AlternateContent xmlns:mc="http://schemas.openxmlformats.org/markup-compatibility/2006">
               <mc:Choice xmlns:v="urn:schemas-microsoft-com:vml" Requires="v">
-                <p:oleObj spid="_x0000_s3084" name="Visio" r:id="rId3" imgW="12620786" imgH="7124866" progId="Visio.Drawing.15">
+                <p:oleObj spid="_x0000_s3085" name="Visio" r:id="rId3" imgW="12620786" imgH="7124866" progId="Visio.Drawing.15">
                   <p:embed/>
                 </p:oleObj>
               </mc:Choice>
@@ -13332,12 +13332,12 @@
           <a:graphicData uri="http://schemas.openxmlformats.org/presentationml/2006/ole">
             <mc:AlternateContent xmlns:mc="http://schemas.openxmlformats.org/markup-compatibility/2006">
               <mc:Choice xmlns:v="urn:schemas-microsoft-com:vml" Requires="v">
-                <p:oleObj spid="_x0000_s4106" r:id="rId4" imgW="5858015" imgH="6229312" progId="Visio.Drawing.15">
+                <p:oleObj spid="_x0000_s4107" r:id="rId3" imgW="5858015" imgH="6229312" progId="Visio.Drawing.15">
                   <p:embed/>
                 </p:oleObj>
               </mc:Choice>
               <mc:Fallback>
-                <p:oleObj r:id="rId4" imgW="5858015" imgH="6229312" progId="Visio.Drawing.15">
+                <p:oleObj r:id="rId3" imgW="5858015" imgH="6229312" progId="Visio.Drawing.15">
                   <p:embed/>
                   <p:pic>
                     <p:nvPicPr>
@@ -13348,7 +13348,7 @@
                       <p:nvPr/>
                     </p:nvPicPr>
                     <p:blipFill>
-                      <a:blip r:embed="rId5">
+                      <a:blip r:embed="rId4">
                         <a:extLst>
                           <a:ext uri="{28A0092B-C50C-407E-A947-70E740481C1C}">
                             <a14:useLocalDpi xmlns:a14="http://schemas.microsoft.com/office/drawing/2010/main" val="0"/>
@@ -13622,31 +13622,56 @@
       </p:sp>
       <p:pic>
         <p:nvPicPr>
-          <p:cNvPr id="4" name="Объект 3"/>
+          <p:cNvPr id="5" name="Рисунок 4"/>
           <p:cNvPicPr>
-            <a:picLocks noGrp="1" noChangeAspect="1"/>
+            <a:picLocks noChangeAspect="1"/>
           </p:cNvPicPr>
-          <p:nvPr>
-            <p:ph idx="1"/>
-          </p:nvPr>
+          <p:nvPr/>
         </p:nvPicPr>
         <p:blipFill>
-          <a:blip r:embed="rId2">
-            <a:extLst>
-              <a:ext uri="{28A0092B-C50C-407E-A947-70E740481C1C}">
-                <a14:useLocalDpi xmlns:a14="http://schemas.microsoft.com/office/drawing/2010/main" val="0"/>
-              </a:ext>
-            </a:extLst>
-          </a:blip>
+          <a:blip r:embed="rId2"/>
           <a:stretch>
             <a:fillRect/>
           </a:stretch>
         </p:blipFill>
         <p:spPr>
           <a:xfrm>
-            <a:off x="3509370" y="2249488"/>
-            <a:ext cx="5170085" cy="3541712"/>
+            <a:off x="1408937" y="2344084"/>
+            <a:ext cx="9374127" cy="3763500"/>
           </a:xfrm>
+          <a:prstGeom prst="rect">
+            <a:avLst/>
+          </a:prstGeom>
+          <a:solidFill>
+            <a:srgbClr val="FFFFFF">
+              <a:shade val="85000"/>
+            </a:srgbClr>
+          </a:solidFill>
+          <a:ln w="88900" cap="sq">
+            <a:solidFill>
+              <a:srgbClr val="FFFFFF"/>
+            </a:solidFill>
+            <a:miter lim="800000"/>
+          </a:ln>
+          <a:effectLst>
+            <a:outerShdw blurRad="55000" dist="18000" dir="5400000" algn="tl" rotWithShape="0">
+              <a:srgbClr val="000000">
+                <a:alpha val="40000"/>
+              </a:srgbClr>
+            </a:outerShdw>
+          </a:effectLst>
+          <a:scene3d>
+            <a:camera prst="orthographicFront"/>
+            <a:lightRig rig="twoPt" dir="t">
+              <a:rot lat="0" lon="0" rev="7200000"/>
+            </a:lightRig>
+          </a:scene3d>
+          <a:sp3d>
+            <a:bevelT w="25400" h="19050"/>
+            <a:contourClr>
+              <a:srgbClr val="FFFFFF"/>
+            </a:contourClr>
+          </a:sp3d>
         </p:spPr>
       </p:pic>
     </p:spTree>
@@ -13752,7 +13777,7 @@
         </p:blipFill>
         <p:spPr>
           <a:xfrm>
-            <a:off x="2890548" y="2811086"/>
+            <a:off x="2903611" y="2340823"/>
             <a:ext cx="4728556" cy="3163282"/>
           </a:xfrm>
           <a:prstGeom prst="rect">
@@ -13781,7 +13806,7 @@
         </p:blipFill>
         <p:spPr>
           <a:xfrm>
-            <a:off x="6447823" y="3391593"/>
+            <a:off x="6094412" y="3038895"/>
             <a:ext cx="4599588" cy="3233651"/>
           </a:xfrm>
           <a:prstGeom prst="rect">
@@ -14361,7 +14386,7 @@
         <p:spPr/>
         <p:txBody>
           <a:bodyPr>
-            <a:normAutofit/>
+            <a:normAutofit lnSpcReduction="10000"/>
           </a:bodyPr>
           <a:lstStyle/>
           <a:p>
@@ -14614,14 +14639,14 @@
                 <a:gridCol w="4953000">
                   <a:extLst>
                     <a:ext uri="{9D8B030D-6E8A-4147-A177-3AD203B41FA5}">
-                      <a16:colId xmlns:a16="http://schemas.microsoft.com/office/drawing/2014/main" xmlns="" val="20000"/>
+                      <a16:colId xmlns:a16="http://schemas.microsoft.com/office/drawing/2014/main" val="20000"/>
                     </a:ext>
                   </a:extLst>
                 </a:gridCol>
                 <a:gridCol w="4953000">
                   <a:extLst>
                     <a:ext uri="{9D8B030D-6E8A-4147-A177-3AD203B41FA5}">
-                      <a16:colId xmlns:a16="http://schemas.microsoft.com/office/drawing/2014/main" xmlns="" val="20001"/>
+                      <a16:colId xmlns:a16="http://schemas.microsoft.com/office/drawing/2014/main" val="20001"/>
                     </a:ext>
                   </a:extLst>
                 </a:gridCol>
@@ -14657,7 +14682,7 @@
                 </a:tc>
                 <a:extLst>
                   <a:ext uri="{0D108BD9-81ED-4DB2-BD59-A6C34878D82A}">
-                    <a16:rowId xmlns:a16="http://schemas.microsoft.com/office/drawing/2014/main" xmlns="" val="10000"/>
+                    <a16:rowId xmlns:a16="http://schemas.microsoft.com/office/drawing/2014/main" val="10000"/>
                   </a:ext>
                 </a:extLst>
               </a:tr>
@@ -14692,7 +14717,7 @@
                 </a:tc>
                 <a:extLst>
                   <a:ext uri="{0D108BD9-81ED-4DB2-BD59-A6C34878D82A}">
-                    <a16:rowId xmlns:a16="http://schemas.microsoft.com/office/drawing/2014/main" xmlns="" val="10001"/>
+                    <a16:rowId xmlns:a16="http://schemas.microsoft.com/office/drawing/2014/main" val="10001"/>
                   </a:ext>
                 </a:extLst>
               </a:tr>
@@ -14723,7 +14748,7 @@
                 </a:tc>
                 <a:extLst>
                   <a:ext uri="{0D108BD9-81ED-4DB2-BD59-A6C34878D82A}">
-                    <a16:rowId xmlns:a16="http://schemas.microsoft.com/office/drawing/2014/main" xmlns="" val="10002"/>
+                    <a16:rowId xmlns:a16="http://schemas.microsoft.com/office/drawing/2014/main" val="10002"/>
                   </a:ext>
                 </a:extLst>
               </a:tr>
@@ -14943,7 +14968,7 @@
         </p:spPr>
         <p:txBody>
           <a:bodyPr>
-            <a:normAutofit fontScale="92500" lnSpcReduction="10000"/>
+            <a:normAutofit fontScale="85000" lnSpcReduction="10000"/>
           </a:bodyPr>
           <a:lstStyle/>
           <a:p>
@@ -15197,12 +15222,12 @@
           <a:graphicData uri="http://schemas.openxmlformats.org/presentationml/2006/ole">
             <mc:AlternateContent xmlns:mc="http://schemas.openxmlformats.org/markup-compatibility/2006">
               <mc:Choice xmlns:v="urn:schemas-microsoft-com:vml" Requires="v">
-                <p:oleObj spid="_x0000_s1036" r:id="rId4" imgW="23717228" imgH="18745047" progId="Visio.Drawing.15">
+                <p:oleObj spid="_x0000_s1037" r:id="rId3" imgW="23717228" imgH="18745047" progId="Visio.Drawing.15">
                   <p:embed/>
                 </p:oleObj>
               </mc:Choice>
               <mc:Fallback>
-                <p:oleObj r:id="rId4" imgW="23717228" imgH="18745047" progId="Visio.Drawing.15">
+                <p:oleObj r:id="rId3" imgW="23717228" imgH="18745047" progId="Visio.Drawing.15">
                   <p:embed/>
                   <p:pic>
                     <p:nvPicPr>
@@ -15213,7 +15238,7 @@
                       <p:nvPr/>
                     </p:nvPicPr>
                     <p:blipFill>
-                      <a:blip r:embed="rId5">
+                      <a:blip r:embed="rId4">
                         <a:extLst>
                           <a:ext uri="{28A0092B-C50C-407E-A947-70E740481C1C}">
                             <a14:useLocalDpi xmlns:a14="http://schemas.microsoft.com/office/drawing/2010/main" val="0"/>
